--- a/figures/figure_03.pptx
+++ b/figures/figure_03.pptx
@@ -5,10 +5,11 @@
     <p:sldMasterId id="2147483648" r:id="rId1"/>
   </p:sldMasterIdLst>
   <p:notesMasterIdLst>
-    <p:notesMasterId r:id="rId3"/>
+    <p:notesMasterId r:id="rId4"/>
   </p:notesMasterIdLst>
   <p:sldIdLst>
     <p:sldId id="258" r:id="rId2"/>
+    <p:sldId id="257" r:id="rId3"/>
   </p:sldIdLst>
   <p:sldSz cx="12192000" cy="6858000"/>
   <p:notesSz cx="6858000" cy="9144000"/>
@@ -115,6 +116,419 @@
 </p:presentation>
 </file>
 
+<file path=ppt/revisionInfo.xml><?xml version="1.0" encoding="utf-8"?>
+<p1510:revInfo xmlns:a="http://schemas.openxmlformats.org/drawingml/2006/main" xmlns:r="http://schemas.openxmlformats.org/officeDocument/2006/relationships" xmlns:p1510="http://schemas.microsoft.com/office/powerpoint/2015/10/main">
+  <p1510:revLst>
+    <p1510:client id="{D4A3F239-4063-4450-9A09-C39D9A611E29}" v="21" dt="2023-12-05T16:52:31.937"/>
+  </p1510:revLst>
+</p1510:revInfo>
+</file>
+
+<file path=ppt/changesInfos/changesInfo1.xml><?xml version="1.0" encoding="utf-8"?>
+<pc:chgInfo xmlns:a="http://schemas.openxmlformats.org/drawingml/2006/main" xmlns:r="http://schemas.openxmlformats.org/officeDocument/2006/relationships" xmlns:ac="http://schemas.microsoft.com/office/drawing/2013/main/command" xmlns:pc="http://schemas.microsoft.com/office/powerpoint/2013/main/command">
+  <pc:docChgLst>
+    <pc:chgData name="Neil Gilbert" userId="2403ec6af305d8db" providerId="LiveId" clId="{D4A3F239-4063-4450-9A09-C39D9A611E29}"/>
+    <pc:docChg chg="undo custSel modSld">
+      <pc:chgData name="Neil Gilbert" userId="2403ec6af305d8db" providerId="LiveId" clId="{D4A3F239-4063-4450-9A09-C39D9A611E29}" dt="2023-12-05T16:53:26.375" v="633" actId="167"/>
+      <pc:docMkLst>
+        <pc:docMk/>
+      </pc:docMkLst>
+      <pc:sldChg chg="addSp delSp modSp mod">
+        <pc:chgData name="Neil Gilbert" userId="2403ec6af305d8db" providerId="LiveId" clId="{D4A3F239-4063-4450-9A09-C39D9A611E29}" dt="2023-12-05T16:53:26.375" v="633" actId="167"/>
+        <pc:sldMkLst>
+          <pc:docMk/>
+          <pc:sldMk cId="2429604644" sldId="258"/>
+        </pc:sldMkLst>
+        <pc:spChg chg="add del mod">
+          <ac:chgData name="Neil Gilbert" userId="2403ec6af305d8db" providerId="LiveId" clId="{D4A3F239-4063-4450-9A09-C39D9A611E29}" dt="2023-12-05T16:36:14.361" v="3" actId="478"/>
+          <ac:spMkLst>
+            <pc:docMk/>
+            <pc:sldMk cId="2429604644" sldId="258"/>
+            <ac:spMk id="7" creationId="{DBE3FBAA-C020-A515-F45C-61DAD4D8B80F}"/>
+          </ac:spMkLst>
+        </pc:spChg>
+        <pc:spChg chg="mod">
+          <ac:chgData name="Neil Gilbert" userId="2403ec6af305d8db" providerId="LiveId" clId="{D4A3F239-4063-4450-9A09-C39D9A611E29}" dt="2023-12-05T16:44:04.748" v="387" actId="1076"/>
+          <ac:spMkLst>
+            <pc:docMk/>
+            <pc:sldMk cId="2429604644" sldId="258"/>
+            <ac:spMk id="17" creationId="{ED554F8F-363D-7B2D-464B-13ED66E84641}"/>
+          </ac:spMkLst>
+        </pc:spChg>
+        <pc:spChg chg="mod">
+          <ac:chgData name="Neil Gilbert" userId="2403ec6af305d8db" providerId="LiveId" clId="{D4A3F239-4063-4450-9A09-C39D9A611E29}" dt="2023-12-05T16:44:41.396" v="430" actId="1038"/>
+          <ac:spMkLst>
+            <pc:docMk/>
+            <pc:sldMk cId="2429604644" sldId="258"/>
+            <ac:spMk id="18" creationId="{FD95FD9C-6AC6-8FEA-C478-8140AA0FFB82}"/>
+          </ac:spMkLst>
+        </pc:spChg>
+        <pc:spChg chg="mod">
+          <ac:chgData name="Neil Gilbert" userId="2403ec6af305d8db" providerId="LiveId" clId="{D4A3F239-4063-4450-9A09-C39D9A611E29}" dt="2023-12-05T16:45:53.378" v="510" actId="1076"/>
+          <ac:spMkLst>
+            <pc:docMk/>
+            <pc:sldMk cId="2429604644" sldId="258"/>
+            <ac:spMk id="19" creationId="{FC12456D-3544-9E78-3255-C0A15D0086BA}"/>
+          </ac:spMkLst>
+        </pc:spChg>
+        <pc:spChg chg="mod">
+          <ac:chgData name="Neil Gilbert" userId="2403ec6af305d8db" providerId="LiveId" clId="{D4A3F239-4063-4450-9A09-C39D9A611E29}" dt="2023-12-05T16:45:25.583" v="504" actId="1038"/>
+          <ac:spMkLst>
+            <pc:docMk/>
+            <pc:sldMk cId="2429604644" sldId="258"/>
+            <ac:spMk id="20" creationId="{92FAC60E-9DC3-853C-9AE6-DC76AED21AA1}"/>
+          </ac:spMkLst>
+        </pc:spChg>
+        <pc:spChg chg="mod">
+          <ac:chgData name="Neil Gilbert" userId="2403ec6af305d8db" providerId="LiveId" clId="{D4A3F239-4063-4450-9A09-C39D9A611E29}" dt="2023-12-05T16:46:12.470" v="513" actId="1076"/>
+          <ac:spMkLst>
+            <pc:docMk/>
+            <pc:sldMk cId="2429604644" sldId="258"/>
+            <ac:spMk id="21" creationId="{952790C4-7E7B-B923-680A-04C5449ED554}"/>
+          </ac:spMkLst>
+        </pc:spChg>
+        <pc:spChg chg="mod">
+          <ac:chgData name="Neil Gilbert" userId="2403ec6af305d8db" providerId="LiveId" clId="{D4A3F239-4063-4450-9A09-C39D9A611E29}" dt="2023-12-05T16:46:16.594" v="514" actId="14100"/>
+          <ac:spMkLst>
+            <pc:docMk/>
+            <pc:sldMk cId="2429604644" sldId="258"/>
+            <ac:spMk id="22" creationId="{FE8B7073-2D31-A5C8-7185-262471987F97}"/>
+          </ac:spMkLst>
+        </pc:spChg>
+        <pc:spChg chg="add mod ord">
+          <ac:chgData name="Neil Gilbert" userId="2403ec6af305d8db" providerId="LiveId" clId="{D4A3F239-4063-4450-9A09-C39D9A611E29}" dt="2023-12-05T16:38:36.338" v="60" actId="166"/>
+          <ac:spMkLst>
+            <pc:docMk/>
+            <pc:sldMk cId="2429604644" sldId="258"/>
+            <ac:spMk id="30" creationId="{D9C7E24A-698D-61D9-76A5-12DA78E8B051}"/>
+          </ac:spMkLst>
+        </pc:spChg>
+        <pc:spChg chg="add mod">
+          <ac:chgData name="Neil Gilbert" userId="2403ec6af305d8db" providerId="LiveId" clId="{D4A3F239-4063-4450-9A09-C39D9A611E29}" dt="2023-12-05T16:44:30.079" v="414" actId="1037"/>
+          <ac:spMkLst>
+            <pc:docMk/>
+            <pc:sldMk cId="2429604644" sldId="258"/>
+            <ac:spMk id="45" creationId="{741334A8-0B6E-C250-1676-AF1F816589CF}"/>
+          </ac:spMkLst>
+        </pc:spChg>
+        <pc:spChg chg="add mod">
+          <ac:chgData name="Neil Gilbert" userId="2403ec6af305d8db" providerId="LiveId" clId="{D4A3F239-4063-4450-9A09-C39D9A611E29}" dt="2023-12-05T16:45:59.471" v="511" actId="14100"/>
+          <ac:spMkLst>
+            <pc:docMk/>
+            <pc:sldMk cId="2429604644" sldId="258"/>
+            <ac:spMk id="49" creationId="{42B277CD-788B-4ED9-91E7-B092A8BBAA13}"/>
+          </ac:spMkLst>
+        </pc:spChg>
+        <pc:grpChg chg="add mod">
+          <ac:chgData name="Neil Gilbert" userId="2403ec6af305d8db" providerId="LiveId" clId="{D4A3F239-4063-4450-9A09-C39D9A611E29}" dt="2023-12-05T16:38:49.337" v="65" actId="164"/>
+          <ac:grpSpMkLst>
+            <pc:docMk/>
+            <pc:sldMk cId="2429604644" sldId="258"/>
+            <ac:grpSpMk id="44" creationId="{AD72162F-2BAB-95F6-8F91-60FD77410BE1}"/>
+          </ac:grpSpMkLst>
+        </pc:grpChg>
+        <pc:grpChg chg="add mod ord">
+          <ac:chgData name="Neil Gilbert" userId="2403ec6af305d8db" providerId="LiveId" clId="{D4A3F239-4063-4450-9A09-C39D9A611E29}" dt="2023-12-05T16:47:17.387" v="536" actId="167"/>
+          <ac:grpSpMkLst>
+            <pc:docMk/>
+            <pc:sldMk cId="2429604644" sldId="258"/>
+            <ac:grpSpMk id="77" creationId="{95AEC851-0623-4EE4-ED0D-52E4E3C0EE33}"/>
+          </ac:grpSpMkLst>
+        </pc:grpChg>
+        <pc:grpChg chg="add mod ord">
+          <ac:chgData name="Neil Gilbert" userId="2403ec6af305d8db" providerId="LiveId" clId="{D4A3F239-4063-4450-9A09-C39D9A611E29}" dt="2023-12-05T16:48:07.555" v="566" actId="167"/>
+          <ac:grpSpMkLst>
+            <pc:docMk/>
+            <pc:sldMk cId="2429604644" sldId="258"/>
+            <ac:grpSpMk id="83" creationId="{D9E104AB-9EED-EAED-B7DF-663336CD49AD}"/>
+          </ac:grpSpMkLst>
+        </pc:grpChg>
+        <pc:grpChg chg="add mod ord">
+          <ac:chgData name="Neil Gilbert" userId="2403ec6af305d8db" providerId="LiveId" clId="{D4A3F239-4063-4450-9A09-C39D9A611E29}" dt="2023-12-05T16:48:56.692" v="580" actId="167"/>
+          <ac:grpSpMkLst>
+            <pc:docMk/>
+            <pc:sldMk cId="2429604644" sldId="258"/>
+            <ac:grpSpMk id="91" creationId="{72FF4E32-A468-78CE-AD30-B4832F0D1238}"/>
+          </ac:grpSpMkLst>
+        </pc:grpChg>
+        <pc:grpChg chg="add mod ord">
+          <ac:chgData name="Neil Gilbert" userId="2403ec6af305d8db" providerId="LiveId" clId="{D4A3F239-4063-4450-9A09-C39D9A611E29}" dt="2023-12-05T16:49:36.795" v="592" actId="167"/>
+          <ac:grpSpMkLst>
+            <pc:docMk/>
+            <pc:sldMk cId="2429604644" sldId="258"/>
+            <ac:grpSpMk id="105" creationId="{CEEEA3DD-1456-CEEE-64DB-76E765CE0F08}"/>
+          </ac:grpSpMkLst>
+        </pc:grpChg>
+        <pc:grpChg chg="add mod ord">
+          <ac:chgData name="Neil Gilbert" userId="2403ec6af305d8db" providerId="LiveId" clId="{D4A3F239-4063-4450-9A09-C39D9A611E29}" dt="2023-12-05T16:51:45.448" v="597" actId="167"/>
+          <ac:grpSpMkLst>
+            <pc:docMk/>
+            <pc:sldMk cId="2429604644" sldId="258"/>
+            <ac:grpSpMk id="118" creationId="{90500199-216E-3B1A-D197-BAA7B75BCBB8}"/>
+          </ac:grpSpMkLst>
+        </pc:grpChg>
+        <pc:grpChg chg="add mod ord">
+          <ac:chgData name="Neil Gilbert" userId="2403ec6af305d8db" providerId="LiveId" clId="{D4A3F239-4063-4450-9A09-C39D9A611E29}" dt="2023-12-05T16:52:23.414" v="612" actId="167"/>
+          <ac:grpSpMkLst>
+            <pc:docMk/>
+            <pc:sldMk cId="2429604644" sldId="258"/>
+            <ac:grpSpMk id="125" creationId="{F855734E-0543-D376-A326-FE69E768D442}"/>
+          </ac:grpSpMkLst>
+        </pc:grpChg>
+        <pc:grpChg chg="add mod ord">
+          <ac:chgData name="Neil Gilbert" userId="2403ec6af305d8db" providerId="LiveId" clId="{D4A3F239-4063-4450-9A09-C39D9A611E29}" dt="2023-12-05T16:53:26.375" v="633" actId="167"/>
+          <ac:grpSpMkLst>
+            <pc:docMk/>
+            <pc:sldMk cId="2429604644" sldId="258"/>
+            <ac:grpSpMk id="129" creationId="{82772F51-B482-0BD7-4156-566CF8227CCB}"/>
+          </ac:grpSpMkLst>
+        </pc:grpChg>
+        <pc:cxnChg chg="add mod">
+          <ac:chgData name="Neil Gilbert" userId="2403ec6af305d8db" providerId="LiveId" clId="{D4A3F239-4063-4450-9A09-C39D9A611E29}" dt="2023-12-05T16:38:49.337" v="65" actId="164"/>
+          <ac:cxnSpMkLst>
+            <pc:docMk/>
+            <pc:sldMk cId="2429604644" sldId="258"/>
+            <ac:cxnSpMk id="31" creationId="{E88AC06D-2F18-2187-6A28-2E4911C5A53E}"/>
+          </ac:cxnSpMkLst>
+        </pc:cxnChg>
+        <pc:cxnChg chg="add mod">
+          <ac:chgData name="Neil Gilbert" userId="2403ec6af305d8db" providerId="LiveId" clId="{D4A3F239-4063-4450-9A09-C39D9A611E29}" dt="2023-12-05T16:38:49.337" v="65" actId="164"/>
+          <ac:cxnSpMkLst>
+            <pc:docMk/>
+            <pc:sldMk cId="2429604644" sldId="258"/>
+            <ac:cxnSpMk id="35" creationId="{E53702B2-E010-8F01-F3EE-C07F3D637F55}"/>
+          </ac:cxnSpMkLst>
+        </pc:cxnChg>
+        <pc:cxnChg chg="add mod">
+          <ac:chgData name="Neil Gilbert" userId="2403ec6af305d8db" providerId="LiveId" clId="{D4A3F239-4063-4450-9A09-C39D9A611E29}" dt="2023-12-05T16:38:49.337" v="65" actId="164"/>
+          <ac:cxnSpMkLst>
+            <pc:docMk/>
+            <pc:sldMk cId="2429604644" sldId="258"/>
+            <ac:cxnSpMk id="41" creationId="{66E03CCC-9DA9-FB58-A9CB-1724FC8C1E3B}"/>
+          </ac:cxnSpMkLst>
+        </pc:cxnChg>
+        <pc:cxnChg chg="mod">
+          <ac:chgData name="Neil Gilbert" userId="2403ec6af305d8db" providerId="LiveId" clId="{D4A3F239-4063-4450-9A09-C39D9A611E29}" dt="2023-12-05T16:47:10.497" v="535" actId="164"/>
+          <ac:cxnSpMkLst>
+            <pc:docMk/>
+            <pc:sldMk cId="2429604644" sldId="258"/>
+            <ac:cxnSpMk id="46" creationId="{F6B9DB0C-5824-E0B3-DC3F-1E2651E58BE5}"/>
+          </ac:cxnSpMkLst>
+        </pc:cxnChg>
+        <pc:cxnChg chg="add mod">
+          <ac:chgData name="Neil Gilbert" userId="2403ec6af305d8db" providerId="LiveId" clId="{D4A3F239-4063-4450-9A09-C39D9A611E29}" dt="2023-12-05T16:47:10.497" v="535" actId="164"/>
+          <ac:cxnSpMkLst>
+            <pc:docMk/>
+            <pc:sldMk cId="2429604644" sldId="258"/>
+            <ac:cxnSpMk id="62" creationId="{7586010B-7AD0-2012-5DD1-34EDD0EE0441}"/>
+          </ac:cxnSpMkLst>
+        </pc:cxnChg>
+        <pc:cxnChg chg="del">
+          <ac:chgData name="Neil Gilbert" userId="2403ec6af305d8db" providerId="LiveId" clId="{D4A3F239-4063-4450-9A09-C39D9A611E29}" dt="2023-12-05T16:48:25.430" v="570" actId="478"/>
+          <ac:cxnSpMkLst>
+            <pc:docMk/>
+            <pc:sldMk cId="2429604644" sldId="258"/>
+            <ac:cxnSpMk id="68" creationId="{E3CA71A2-5225-820A-1A52-BE72D7B83A03}"/>
+          </ac:cxnSpMkLst>
+        </pc:cxnChg>
+        <pc:cxnChg chg="add mod">
+          <ac:chgData name="Neil Gilbert" userId="2403ec6af305d8db" providerId="LiveId" clId="{D4A3F239-4063-4450-9A09-C39D9A611E29}" dt="2023-12-05T16:47:10.497" v="535" actId="164"/>
+          <ac:cxnSpMkLst>
+            <pc:docMk/>
+            <pc:sldMk cId="2429604644" sldId="258"/>
+            <ac:cxnSpMk id="73" creationId="{8A13303E-C4B2-D0D9-5E1D-728CDB0DA8E8}"/>
+          </ac:cxnSpMkLst>
+        </pc:cxnChg>
+        <pc:cxnChg chg="del">
+          <ac:chgData name="Neil Gilbert" userId="2403ec6af305d8db" providerId="LiveId" clId="{D4A3F239-4063-4450-9A09-C39D9A611E29}" dt="2023-12-05T16:49:41.868" v="593" actId="478"/>
+          <ac:cxnSpMkLst>
+            <pc:docMk/>
+            <pc:sldMk cId="2429604644" sldId="258"/>
+            <ac:cxnSpMk id="74" creationId="{9B00CAA4-814C-9582-8EC0-127EAB7A21FE}"/>
+          </ac:cxnSpMkLst>
+        </pc:cxnChg>
+        <pc:cxnChg chg="del">
+          <ac:chgData name="Neil Gilbert" userId="2403ec6af305d8db" providerId="LiveId" clId="{D4A3F239-4063-4450-9A09-C39D9A611E29}" dt="2023-12-05T16:51:52.372" v="598" actId="478"/>
+          <ac:cxnSpMkLst>
+            <pc:docMk/>
+            <pc:sldMk cId="2429604644" sldId="258"/>
+            <ac:cxnSpMk id="75" creationId="{E8B7E72C-19F9-C2D7-85C2-C0B512C7F72C}"/>
+          </ac:cxnSpMkLst>
+        </pc:cxnChg>
+        <pc:cxnChg chg="del mod">
+          <ac:chgData name="Neil Gilbert" userId="2403ec6af305d8db" providerId="LiveId" clId="{D4A3F239-4063-4450-9A09-C39D9A611E29}" dt="2023-12-05T16:41:44.654" v="190" actId="478"/>
+          <ac:cxnSpMkLst>
+            <pc:docMk/>
+            <pc:sldMk cId="2429604644" sldId="258"/>
+            <ac:cxnSpMk id="79" creationId="{A8E0C6ED-093A-F919-E806-E1993173BA56}"/>
+          </ac:cxnSpMkLst>
+        </pc:cxnChg>
+        <pc:cxnChg chg="add del mod">
+          <ac:chgData name="Neil Gilbert" userId="2403ec6af305d8db" providerId="LiveId" clId="{D4A3F239-4063-4450-9A09-C39D9A611E29}" dt="2023-12-05T16:47:22.558" v="538"/>
+          <ac:cxnSpMkLst>
+            <pc:docMk/>
+            <pc:sldMk cId="2429604644" sldId="258"/>
+            <ac:cxnSpMk id="80" creationId="{4263A2A9-1656-3FD2-2FA4-043CCA5C9032}"/>
+          </ac:cxnSpMkLst>
+        </pc:cxnChg>
+        <pc:cxnChg chg="add del mod">
+          <ac:chgData name="Neil Gilbert" userId="2403ec6af305d8db" providerId="LiveId" clId="{D4A3F239-4063-4450-9A09-C39D9A611E29}" dt="2023-12-05T16:47:25.277" v="540"/>
+          <ac:cxnSpMkLst>
+            <pc:docMk/>
+            <pc:sldMk cId="2429604644" sldId="258"/>
+            <ac:cxnSpMk id="81" creationId="{FA868697-6FB6-ABE7-DCD8-C54AD64D7D0A}"/>
+          </ac:cxnSpMkLst>
+        </pc:cxnChg>
+        <pc:cxnChg chg="mod">
+          <ac:chgData name="Neil Gilbert" userId="2403ec6af305d8db" providerId="LiveId" clId="{D4A3F239-4063-4450-9A09-C39D9A611E29}" dt="2023-12-05T16:48:00.041" v="565" actId="1038"/>
+          <ac:cxnSpMkLst>
+            <pc:docMk/>
+            <pc:sldMk cId="2429604644" sldId="258"/>
+            <ac:cxnSpMk id="84" creationId="{7F1ECA20-DAD7-6349-CB46-59C8D1DC8A10}"/>
+          </ac:cxnSpMkLst>
+        </pc:cxnChg>
+        <pc:cxnChg chg="mod">
+          <ac:chgData name="Neil Gilbert" userId="2403ec6af305d8db" providerId="LiveId" clId="{D4A3F239-4063-4450-9A09-C39D9A611E29}" dt="2023-12-05T16:47:55.228" v="562" actId="14100"/>
+          <ac:cxnSpMkLst>
+            <pc:docMk/>
+            <pc:sldMk cId="2429604644" sldId="258"/>
+            <ac:cxnSpMk id="85" creationId="{343AEAE1-D713-B3F1-03EB-C18B9AFCE425}"/>
+          </ac:cxnSpMkLst>
+        </pc:cxnChg>
+        <pc:cxnChg chg="mod">
+          <ac:chgData name="Neil Gilbert" userId="2403ec6af305d8db" providerId="LiveId" clId="{D4A3F239-4063-4450-9A09-C39D9A611E29}" dt="2023-12-05T16:47:27.527" v="541"/>
+          <ac:cxnSpMkLst>
+            <pc:docMk/>
+            <pc:sldMk cId="2429604644" sldId="258"/>
+            <ac:cxnSpMk id="86" creationId="{9F9BA874-23BC-5AF8-29A9-B57A260963F1}"/>
+          </ac:cxnSpMkLst>
+        </pc:cxnChg>
+        <pc:cxnChg chg="mod">
+          <ac:chgData name="Neil Gilbert" userId="2403ec6af305d8db" providerId="LiveId" clId="{D4A3F239-4063-4450-9A09-C39D9A611E29}" dt="2023-12-05T16:48:46.955" v="578" actId="1035"/>
+          <ac:cxnSpMkLst>
+            <pc:docMk/>
+            <pc:sldMk cId="2429604644" sldId="258"/>
+            <ac:cxnSpMk id="96" creationId="{45E48A8E-A01B-F283-CF4C-FAA2C49F3AF2}"/>
+          </ac:cxnSpMkLst>
+        </pc:cxnChg>
+        <pc:cxnChg chg="mod">
+          <ac:chgData name="Neil Gilbert" userId="2403ec6af305d8db" providerId="LiveId" clId="{D4A3F239-4063-4450-9A09-C39D9A611E29}" dt="2023-12-05T16:48:15.367" v="567"/>
+          <ac:cxnSpMkLst>
+            <pc:docMk/>
+            <pc:sldMk cId="2429604644" sldId="258"/>
+            <ac:cxnSpMk id="99" creationId="{39E32996-2790-5671-0924-158637D757A9}"/>
+          </ac:cxnSpMkLst>
+        </pc:cxnChg>
+        <pc:cxnChg chg="mod">
+          <ac:chgData name="Neil Gilbert" userId="2403ec6af305d8db" providerId="LiveId" clId="{D4A3F239-4063-4450-9A09-C39D9A611E29}" dt="2023-12-05T16:48:51.409" v="579" actId="1036"/>
+          <ac:cxnSpMkLst>
+            <pc:docMk/>
+            <pc:sldMk cId="2429604644" sldId="258"/>
+            <ac:cxnSpMk id="102" creationId="{D18D4578-E9D6-C703-4DF0-B0ADCEDD2A4C}"/>
+          </ac:cxnSpMkLst>
+        </pc:cxnChg>
+        <pc:cxnChg chg="mod">
+          <ac:chgData name="Neil Gilbert" userId="2403ec6af305d8db" providerId="LiveId" clId="{D4A3F239-4063-4450-9A09-C39D9A611E29}" dt="2023-12-05T16:49:29.489" v="591" actId="1035"/>
+          <ac:cxnSpMkLst>
+            <pc:docMk/>
+            <pc:sldMk cId="2429604644" sldId="258"/>
+            <ac:cxnSpMk id="109" creationId="{DF9520D3-1AEA-9208-0EF5-7458E6F6A681}"/>
+          </ac:cxnSpMkLst>
+        </pc:cxnChg>
+        <pc:cxnChg chg="mod">
+          <ac:chgData name="Neil Gilbert" userId="2403ec6af305d8db" providerId="LiveId" clId="{D4A3F239-4063-4450-9A09-C39D9A611E29}" dt="2023-12-05T16:49:10.035" v="581"/>
+          <ac:cxnSpMkLst>
+            <pc:docMk/>
+            <pc:sldMk cId="2429604644" sldId="258"/>
+            <ac:cxnSpMk id="110" creationId="{CB1050E1-5800-6712-F8BA-5166753592A2}"/>
+          </ac:cxnSpMkLst>
+        </pc:cxnChg>
+        <pc:cxnChg chg="mod">
+          <ac:chgData name="Neil Gilbert" userId="2403ec6af305d8db" providerId="LiveId" clId="{D4A3F239-4063-4450-9A09-C39D9A611E29}" dt="2023-12-05T16:49:10.035" v="581"/>
+          <ac:cxnSpMkLst>
+            <pc:docMk/>
+            <pc:sldMk cId="2429604644" sldId="258"/>
+            <ac:cxnSpMk id="117" creationId="{C90DB111-045C-A815-CC5F-1100D5D79BA7}"/>
+          </ac:cxnSpMkLst>
+        </pc:cxnChg>
+        <pc:cxnChg chg="mod">
+          <ac:chgData name="Neil Gilbert" userId="2403ec6af305d8db" providerId="LiveId" clId="{D4A3F239-4063-4450-9A09-C39D9A611E29}" dt="2023-12-05T16:51:23.576" v="594"/>
+          <ac:cxnSpMkLst>
+            <pc:docMk/>
+            <pc:sldMk cId="2429604644" sldId="258"/>
+            <ac:cxnSpMk id="122" creationId="{1E402939-E58A-E408-3052-6152513DF1C7}"/>
+          </ac:cxnSpMkLst>
+        </pc:cxnChg>
+        <pc:cxnChg chg="mod">
+          <ac:chgData name="Neil Gilbert" userId="2403ec6af305d8db" providerId="LiveId" clId="{D4A3F239-4063-4450-9A09-C39D9A611E29}" dt="2023-12-05T16:51:23.576" v="594"/>
+          <ac:cxnSpMkLst>
+            <pc:docMk/>
+            <pc:sldMk cId="2429604644" sldId="258"/>
+            <ac:cxnSpMk id="123" creationId="{3D11E07A-4CCE-6F41-5215-0AAF5F81B0B1}"/>
+          </ac:cxnSpMkLst>
+        </pc:cxnChg>
+        <pc:cxnChg chg="mod">
+          <ac:chgData name="Neil Gilbert" userId="2403ec6af305d8db" providerId="LiveId" clId="{D4A3F239-4063-4450-9A09-C39D9A611E29}" dt="2023-12-05T16:51:23.576" v="594"/>
+          <ac:cxnSpMkLst>
+            <pc:docMk/>
+            <pc:sldMk cId="2429604644" sldId="258"/>
+            <ac:cxnSpMk id="124" creationId="{730B5219-D983-F8B2-1704-B603B2E53CD2}"/>
+          </ac:cxnSpMkLst>
+        </pc:cxnChg>
+        <pc:cxnChg chg="mod">
+          <ac:chgData name="Neil Gilbert" userId="2403ec6af305d8db" providerId="LiveId" clId="{D4A3F239-4063-4450-9A09-C39D9A611E29}" dt="2023-12-05T16:52:17.857" v="611" actId="1037"/>
+          <ac:cxnSpMkLst>
+            <pc:docMk/>
+            <pc:sldMk cId="2429604644" sldId="258"/>
+            <ac:cxnSpMk id="126" creationId="{810AED93-F1B4-7D07-30BD-09FC72A1E248}"/>
+          </ac:cxnSpMkLst>
+        </pc:cxnChg>
+        <pc:cxnChg chg="mod">
+          <ac:chgData name="Neil Gilbert" userId="2403ec6af305d8db" providerId="LiveId" clId="{D4A3F239-4063-4450-9A09-C39D9A611E29}" dt="2023-12-05T16:51:57.813" v="599"/>
+          <ac:cxnSpMkLst>
+            <pc:docMk/>
+            <pc:sldMk cId="2429604644" sldId="258"/>
+            <ac:cxnSpMk id="127" creationId="{2A05997C-676C-7614-71E9-BA5F6AA60DC9}"/>
+          </ac:cxnSpMkLst>
+        </pc:cxnChg>
+        <pc:cxnChg chg="mod">
+          <ac:chgData name="Neil Gilbert" userId="2403ec6af305d8db" providerId="LiveId" clId="{D4A3F239-4063-4450-9A09-C39D9A611E29}" dt="2023-12-05T16:51:57.813" v="599"/>
+          <ac:cxnSpMkLst>
+            <pc:docMk/>
+            <pc:sldMk cId="2429604644" sldId="258"/>
+            <ac:cxnSpMk id="128" creationId="{B48BAA6B-9834-3F8D-F03E-CFCE85718668}"/>
+          </ac:cxnSpMkLst>
+        </pc:cxnChg>
+        <pc:cxnChg chg="mod">
+          <ac:chgData name="Neil Gilbert" userId="2403ec6af305d8db" providerId="LiveId" clId="{D4A3F239-4063-4450-9A09-C39D9A611E29}" dt="2023-12-05T16:53:23.220" v="632" actId="14100"/>
+          <ac:cxnSpMkLst>
+            <pc:docMk/>
+            <pc:sldMk cId="2429604644" sldId="258"/>
+            <ac:cxnSpMk id="130" creationId="{04859A3B-EF3A-C351-A4BD-AE20255F7804}"/>
+          </ac:cxnSpMkLst>
+        </pc:cxnChg>
+        <pc:cxnChg chg="mod">
+          <ac:chgData name="Neil Gilbert" userId="2403ec6af305d8db" providerId="LiveId" clId="{D4A3F239-4063-4450-9A09-C39D9A611E29}" dt="2023-12-05T16:53:14.342" v="630" actId="1035"/>
+          <ac:cxnSpMkLst>
+            <pc:docMk/>
+            <pc:sldMk cId="2429604644" sldId="258"/>
+            <ac:cxnSpMk id="131" creationId="{1828CA6D-C77E-8181-CBF9-5695752DC6CE}"/>
+          </ac:cxnSpMkLst>
+        </pc:cxnChg>
+        <pc:cxnChg chg="mod">
+          <ac:chgData name="Neil Gilbert" userId="2403ec6af305d8db" providerId="LiveId" clId="{D4A3F239-4063-4450-9A09-C39D9A611E29}" dt="2023-12-05T16:52:31.937" v="613"/>
+          <ac:cxnSpMkLst>
+            <pc:docMk/>
+            <pc:sldMk cId="2429604644" sldId="258"/>
+            <ac:cxnSpMk id="132" creationId="{4F13271E-0F2C-5959-820E-4004C33C8D8F}"/>
+          </ac:cxnSpMkLst>
+        </pc:cxnChg>
+      </pc:sldChg>
+    </pc:docChg>
+  </pc:docChgLst>
+</pc:chgInfo>
+</file>
+
 <file path=ppt/notesMasters/notesMaster1.xml><?xml version="1.0" encoding="utf-8"?>
 <p:notesMaster xmlns:a="http://schemas.openxmlformats.org/drawingml/2006/main" xmlns:r="http://schemas.openxmlformats.org/officeDocument/2006/relationships" xmlns:p="http://schemas.openxmlformats.org/presentationml/2006/main">
   <p:cSld>
@@ -197,7 +611,7 @@
           <a:p>
             <a:fld id="{1543EF84-CD01-4E27-B31A-DCE2DD5CD97E}" type="datetimeFigureOut">
               <a:rPr lang="en-US" smtClean="0"/>
-              <a:t>10/13/2023</a:t>
+              <a:t>12/5/2023</a:t>
             </a:fld>
             <a:endParaRPr lang="en-US"/>
           </a:p>
@@ -695,7 +1109,7 @@
           <a:p>
             <a:fld id="{823B9A8B-CBA9-4AE4-B945-06E1F057A2EC}" type="datetimeFigureOut">
               <a:rPr lang="en-US" smtClean="0"/>
-              <a:t>10/13/2023</a:t>
+              <a:t>12/5/2023</a:t>
             </a:fld>
             <a:endParaRPr lang="en-US"/>
           </a:p>
@@ -893,7 +1307,7 @@
           <a:p>
             <a:fld id="{823B9A8B-CBA9-4AE4-B945-06E1F057A2EC}" type="datetimeFigureOut">
               <a:rPr lang="en-US" smtClean="0"/>
-              <a:t>10/13/2023</a:t>
+              <a:t>12/5/2023</a:t>
             </a:fld>
             <a:endParaRPr lang="en-US"/>
           </a:p>
@@ -1101,7 +1515,7 @@
           <a:p>
             <a:fld id="{823B9A8B-CBA9-4AE4-B945-06E1F057A2EC}" type="datetimeFigureOut">
               <a:rPr lang="en-US" smtClean="0"/>
-              <a:t>10/13/2023</a:t>
+              <a:t>12/5/2023</a:t>
             </a:fld>
             <a:endParaRPr lang="en-US"/>
           </a:p>
@@ -1299,7 +1713,7 @@
           <a:p>
             <a:fld id="{823B9A8B-CBA9-4AE4-B945-06E1F057A2EC}" type="datetimeFigureOut">
               <a:rPr lang="en-US" smtClean="0"/>
-              <a:t>10/13/2023</a:t>
+              <a:t>12/5/2023</a:t>
             </a:fld>
             <a:endParaRPr lang="en-US"/>
           </a:p>
@@ -1574,7 +1988,7 @@
           <a:p>
             <a:fld id="{823B9A8B-CBA9-4AE4-B945-06E1F057A2EC}" type="datetimeFigureOut">
               <a:rPr lang="en-US" smtClean="0"/>
-              <a:t>10/13/2023</a:t>
+              <a:t>12/5/2023</a:t>
             </a:fld>
             <a:endParaRPr lang="en-US"/>
           </a:p>
@@ -1839,7 +2253,7 @@
           <a:p>
             <a:fld id="{823B9A8B-CBA9-4AE4-B945-06E1F057A2EC}" type="datetimeFigureOut">
               <a:rPr lang="en-US" smtClean="0"/>
-              <a:t>10/13/2023</a:t>
+              <a:t>12/5/2023</a:t>
             </a:fld>
             <a:endParaRPr lang="en-US"/>
           </a:p>
@@ -2251,7 +2665,7 @@
           <a:p>
             <a:fld id="{823B9A8B-CBA9-4AE4-B945-06E1F057A2EC}" type="datetimeFigureOut">
               <a:rPr lang="en-US" smtClean="0"/>
-              <a:t>10/13/2023</a:t>
+              <a:t>12/5/2023</a:t>
             </a:fld>
             <a:endParaRPr lang="en-US"/>
           </a:p>
@@ -2392,7 +2806,7 @@
           <a:p>
             <a:fld id="{823B9A8B-CBA9-4AE4-B945-06E1F057A2EC}" type="datetimeFigureOut">
               <a:rPr lang="en-US" smtClean="0"/>
-              <a:t>10/13/2023</a:t>
+              <a:t>12/5/2023</a:t>
             </a:fld>
             <a:endParaRPr lang="en-US"/>
           </a:p>
@@ -2505,7 +2919,7 @@
           <a:p>
             <a:fld id="{823B9A8B-CBA9-4AE4-B945-06E1F057A2EC}" type="datetimeFigureOut">
               <a:rPr lang="en-US" smtClean="0"/>
-              <a:t>10/13/2023</a:t>
+              <a:t>12/5/2023</a:t>
             </a:fld>
             <a:endParaRPr lang="en-US"/>
           </a:p>
@@ -2816,7 +3230,7 @@
           <a:p>
             <a:fld id="{823B9A8B-CBA9-4AE4-B945-06E1F057A2EC}" type="datetimeFigureOut">
               <a:rPr lang="en-US" smtClean="0"/>
-              <a:t>10/13/2023</a:t>
+              <a:t>12/5/2023</a:t>
             </a:fld>
             <a:endParaRPr lang="en-US"/>
           </a:p>
@@ -3104,7 +3518,7 @@
           <a:p>
             <a:fld id="{823B9A8B-CBA9-4AE4-B945-06E1F057A2EC}" type="datetimeFigureOut">
               <a:rPr lang="en-US" smtClean="0"/>
-              <a:t>10/13/2023</a:t>
+              <a:t>12/5/2023</a:t>
             </a:fld>
             <a:endParaRPr lang="en-US"/>
           </a:p>
@@ -3345,7 +3759,7 @@
           <a:p>
             <a:fld id="{823B9A8B-CBA9-4AE4-B945-06E1F057A2EC}" type="datetimeFigureOut">
               <a:rPr lang="en-US" smtClean="0"/>
-              <a:t>10/13/2023</a:t>
+              <a:t>12/5/2023</a:t>
             </a:fld>
             <a:endParaRPr lang="en-US"/>
           </a:p>
@@ -3764,6 +4178,1056 @@
       </p:grpSpPr>
       <p:grpSp>
         <p:nvGrpSpPr>
+          <p:cNvPr id="129" name="Group 128">
+            <a:extLst>
+              <a:ext uri="{FF2B5EF4-FFF2-40B4-BE49-F238E27FC236}">
+                <a16:creationId xmlns:a16="http://schemas.microsoft.com/office/drawing/2014/main" id="{82772F51-B482-0BD7-4156-566CF8227CCB}"/>
+              </a:ext>
+            </a:extLst>
+          </p:cNvPr>
+          <p:cNvGrpSpPr/>
+          <p:nvPr/>
+        </p:nvGrpSpPr>
+        <p:grpSpPr>
+          <a:xfrm>
+            <a:off x="9945331" y="2374462"/>
+            <a:ext cx="1631835" cy="1251389"/>
+            <a:chOff x="1352330" y="2372080"/>
+            <a:chExt cx="268626" cy="953171"/>
+          </a:xfrm>
+        </p:grpSpPr>
+        <p:cxnSp>
+          <p:nvCxnSpPr>
+            <p:cNvPr id="130" name="Straight Connector 129">
+              <a:extLst>
+                <a:ext uri="{FF2B5EF4-FFF2-40B4-BE49-F238E27FC236}">
+                  <a16:creationId xmlns:a16="http://schemas.microsoft.com/office/drawing/2014/main" id="{04859A3B-EF3A-C351-A4BD-AE20255F7804}"/>
+                </a:ext>
+              </a:extLst>
+            </p:cNvPr>
+            <p:cNvCxnSpPr>
+              <a:cxnSpLocks/>
+            </p:cNvCxnSpPr>
+            <p:nvPr/>
+          </p:nvCxnSpPr>
+          <p:spPr>
+            <a:xfrm>
+              <a:off x="1352330" y="2829200"/>
+              <a:ext cx="0" cy="496051"/>
+            </a:xfrm>
+            <a:prstGeom prst="line">
+              <a:avLst/>
+            </a:prstGeom>
+            <a:ln w="28575">
+              <a:solidFill>
+                <a:srgbClr val="E54E21"/>
+              </a:solidFill>
+            </a:ln>
+          </p:spPr>
+          <p:style>
+            <a:lnRef idx="1">
+              <a:schemeClr val="accent4"/>
+            </a:lnRef>
+            <a:fillRef idx="0">
+              <a:schemeClr val="accent4"/>
+            </a:fillRef>
+            <a:effectRef idx="0">
+              <a:schemeClr val="accent4"/>
+            </a:effectRef>
+            <a:fontRef idx="minor">
+              <a:schemeClr val="tx1"/>
+            </a:fontRef>
+          </p:style>
+        </p:cxnSp>
+        <p:cxnSp>
+          <p:nvCxnSpPr>
+            <p:cNvPr id="131" name="Straight Connector 130">
+              <a:extLst>
+                <a:ext uri="{FF2B5EF4-FFF2-40B4-BE49-F238E27FC236}">
+                  <a16:creationId xmlns:a16="http://schemas.microsoft.com/office/drawing/2014/main" id="{1828CA6D-C77E-8181-CBF9-5695752DC6CE}"/>
+                </a:ext>
+              </a:extLst>
+            </p:cNvPr>
+            <p:cNvCxnSpPr>
+              <a:cxnSpLocks/>
+            </p:cNvCxnSpPr>
+            <p:nvPr/>
+          </p:nvCxnSpPr>
+          <p:spPr>
+            <a:xfrm flipH="1">
+              <a:off x="1354170" y="2840649"/>
+              <a:ext cx="264992" cy="0"/>
+            </a:xfrm>
+            <a:prstGeom prst="line">
+              <a:avLst/>
+            </a:prstGeom>
+            <a:ln w="28575">
+              <a:solidFill>
+                <a:srgbClr val="E54E21"/>
+              </a:solidFill>
+            </a:ln>
+          </p:spPr>
+          <p:style>
+            <a:lnRef idx="1">
+              <a:schemeClr val="accent4"/>
+            </a:lnRef>
+            <a:fillRef idx="0">
+              <a:schemeClr val="accent4"/>
+            </a:fillRef>
+            <a:effectRef idx="0">
+              <a:schemeClr val="accent4"/>
+            </a:effectRef>
+            <a:fontRef idx="minor">
+              <a:schemeClr val="tx1"/>
+            </a:fontRef>
+          </p:style>
+        </p:cxnSp>
+        <p:cxnSp>
+          <p:nvCxnSpPr>
+            <p:cNvPr id="132" name="Straight Connector 131">
+              <a:extLst>
+                <a:ext uri="{FF2B5EF4-FFF2-40B4-BE49-F238E27FC236}">
+                  <a16:creationId xmlns:a16="http://schemas.microsoft.com/office/drawing/2014/main" id="{4F13271E-0F2C-5959-820E-4004C33C8D8F}"/>
+                </a:ext>
+              </a:extLst>
+            </p:cNvPr>
+            <p:cNvCxnSpPr>
+              <a:cxnSpLocks/>
+            </p:cNvCxnSpPr>
+            <p:nvPr/>
+          </p:nvCxnSpPr>
+          <p:spPr>
+            <a:xfrm>
+              <a:off x="1620956" y="2372080"/>
+              <a:ext cx="0" cy="478277"/>
+            </a:xfrm>
+            <a:prstGeom prst="line">
+              <a:avLst/>
+            </a:prstGeom>
+            <a:ln w="28575">
+              <a:solidFill>
+                <a:srgbClr val="E54E21"/>
+              </a:solidFill>
+            </a:ln>
+          </p:spPr>
+          <p:style>
+            <a:lnRef idx="1">
+              <a:schemeClr val="accent4"/>
+            </a:lnRef>
+            <a:fillRef idx="0">
+              <a:schemeClr val="accent4"/>
+            </a:fillRef>
+            <a:effectRef idx="0">
+              <a:schemeClr val="accent4"/>
+            </a:effectRef>
+            <a:fontRef idx="minor">
+              <a:schemeClr val="tx1"/>
+            </a:fontRef>
+          </p:style>
+        </p:cxnSp>
+      </p:grpSp>
+      <p:grpSp>
+        <p:nvGrpSpPr>
+          <p:cNvPr id="125" name="Group 124">
+            <a:extLst>
+              <a:ext uri="{FF2B5EF4-FFF2-40B4-BE49-F238E27FC236}">
+                <a16:creationId xmlns:a16="http://schemas.microsoft.com/office/drawing/2014/main" id="{F855734E-0543-D376-A326-FE69E768D442}"/>
+              </a:ext>
+            </a:extLst>
+          </p:cNvPr>
+          <p:cNvGrpSpPr/>
+          <p:nvPr/>
+        </p:nvGrpSpPr>
+        <p:grpSpPr>
+          <a:xfrm>
+            <a:off x="9468104" y="2380859"/>
+            <a:ext cx="718653" cy="1102640"/>
+            <a:chOff x="1347114" y="2372080"/>
+            <a:chExt cx="273842" cy="1102640"/>
+          </a:xfrm>
+        </p:grpSpPr>
+        <p:cxnSp>
+          <p:nvCxnSpPr>
+            <p:cNvPr id="126" name="Straight Connector 125">
+              <a:extLst>
+                <a:ext uri="{FF2B5EF4-FFF2-40B4-BE49-F238E27FC236}">
+                  <a16:creationId xmlns:a16="http://schemas.microsoft.com/office/drawing/2014/main" id="{810AED93-F1B4-7D07-30BD-09FC72A1E248}"/>
+                </a:ext>
+              </a:extLst>
+            </p:cNvPr>
+            <p:cNvCxnSpPr>
+              <a:cxnSpLocks/>
+            </p:cNvCxnSpPr>
+            <p:nvPr/>
+          </p:nvCxnSpPr>
+          <p:spPr>
+            <a:xfrm flipH="1">
+              <a:off x="1352330" y="2834640"/>
+              <a:ext cx="0" cy="640080"/>
+            </a:xfrm>
+            <a:prstGeom prst="line">
+              <a:avLst/>
+            </a:prstGeom>
+            <a:ln w="28575">
+              <a:solidFill>
+                <a:srgbClr val="E54E21"/>
+              </a:solidFill>
+            </a:ln>
+          </p:spPr>
+          <p:style>
+            <a:lnRef idx="1">
+              <a:schemeClr val="accent4"/>
+            </a:lnRef>
+            <a:fillRef idx="0">
+              <a:schemeClr val="accent4"/>
+            </a:fillRef>
+            <a:effectRef idx="0">
+              <a:schemeClr val="accent4"/>
+            </a:effectRef>
+            <a:fontRef idx="minor">
+              <a:schemeClr val="tx1"/>
+            </a:fontRef>
+          </p:style>
+        </p:cxnSp>
+        <p:cxnSp>
+          <p:nvCxnSpPr>
+            <p:cNvPr id="127" name="Straight Connector 126">
+              <a:extLst>
+                <a:ext uri="{FF2B5EF4-FFF2-40B4-BE49-F238E27FC236}">
+                  <a16:creationId xmlns:a16="http://schemas.microsoft.com/office/drawing/2014/main" id="{2A05997C-676C-7614-71E9-BA5F6AA60DC9}"/>
+                </a:ext>
+              </a:extLst>
+            </p:cNvPr>
+            <p:cNvCxnSpPr>
+              <a:cxnSpLocks/>
+            </p:cNvCxnSpPr>
+            <p:nvPr/>
+          </p:nvCxnSpPr>
+          <p:spPr>
+            <a:xfrm flipH="1">
+              <a:off x="1347114" y="2837021"/>
+              <a:ext cx="264992" cy="0"/>
+            </a:xfrm>
+            <a:prstGeom prst="line">
+              <a:avLst/>
+            </a:prstGeom>
+            <a:ln w="28575">
+              <a:solidFill>
+                <a:srgbClr val="E54E21"/>
+              </a:solidFill>
+            </a:ln>
+          </p:spPr>
+          <p:style>
+            <a:lnRef idx="1">
+              <a:schemeClr val="accent4"/>
+            </a:lnRef>
+            <a:fillRef idx="0">
+              <a:schemeClr val="accent4"/>
+            </a:fillRef>
+            <a:effectRef idx="0">
+              <a:schemeClr val="accent4"/>
+            </a:effectRef>
+            <a:fontRef idx="minor">
+              <a:schemeClr val="tx1"/>
+            </a:fontRef>
+          </p:style>
+        </p:cxnSp>
+        <p:cxnSp>
+          <p:nvCxnSpPr>
+            <p:cNvPr id="128" name="Straight Connector 127">
+              <a:extLst>
+                <a:ext uri="{FF2B5EF4-FFF2-40B4-BE49-F238E27FC236}">
+                  <a16:creationId xmlns:a16="http://schemas.microsoft.com/office/drawing/2014/main" id="{B48BAA6B-9834-3F8D-F03E-CFCE85718668}"/>
+                </a:ext>
+              </a:extLst>
+            </p:cNvPr>
+            <p:cNvCxnSpPr>
+              <a:cxnSpLocks/>
+            </p:cNvCxnSpPr>
+            <p:nvPr/>
+          </p:nvCxnSpPr>
+          <p:spPr>
+            <a:xfrm>
+              <a:off x="1620956" y="2372080"/>
+              <a:ext cx="0" cy="478277"/>
+            </a:xfrm>
+            <a:prstGeom prst="line">
+              <a:avLst/>
+            </a:prstGeom>
+            <a:ln w="28575">
+              <a:solidFill>
+                <a:srgbClr val="E54E21"/>
+              </a:solidFill>
+            </a:ln>
+          </p:spPr>
+          <p:style>
+            <a:lnRef idx="1">
+              <a:schemeClr val="accent4"/>
+            </a:lnRef>
+            <a:fillRef idx="0">
+              <a:schemeClr val="accent4"/>
+            </a:fillRef>
+            <a:effectRef idx="0">
+              <a:schemeClr val="accent4"/>
+            </a:effectRef>
+            <a:fontRef idx="minor">
+              <a:schemeClr val="tx1"/>
+            </a:fontRef>
+          </p:style>
+        </p:cxnSp>
+      </p:grpSp>
+      <p:grpSp>
+        <p:nvGrpSpPr>
+          <p:cNvPr id="118" name="Group 117">
+            <a:extLst>
+              <a:ext uri="{FF2B5EF4-FFF2-40B4-BE49-F238E27FC236}">
+                <a16:creationId xmlns:a16="http://schemas.microsoft.com/office/drawing/2014/main" id="{90500199-216E-3B1A-D197-BAA7B75BCBB8}"/>
+              </a:ext>
+            </a:extLst>
+          </p:cNvPr>
+          <p:cNvGrpSpPr/>
+          <p:nvPr/>
+        </p:nvGrpSpPr>
+        <p:grpSpPr>
+          <a:xfrm flipH="1">
+            <a:off x="6844137" y="2374461"/>
+            <a:ext cx="1522703" cy="1087559"/>
+            <a:chOff x="1358648" y="2372080"/>
+            <a:chExt cx="263127" cy="1087559"/>
+          </a:xfrm>
+        </p:grpSpPr>
+        <p:cxnSp>
+          <p:nvCxnSpPr>
+            <p:cNvPr id="122" name="Straight Connector 121">
+              <a:extLst>
+                <a:ext uri="{FF2B5EF4-FFF2-40B4-BE49-F238E27FC236}">
+                  <a16:creationId xmlns:a16="http://schemas.microsoft.com/office/drawing/2014/main" id="{1E402939-E58A-E408-3052-6152513DF1C7}"/>
+                </a:ext>
+              </a:extLst>
+            </p:cNvPr>
+            <p:cNvCxnSpPr>
+              <a:cxnSpLocks/>
+            </p:cNvCxnSpPr>
+            <p:nvPr/>
+          </p:nvCxnSpPr>
+          <p:spPr>
+            <a:xfrm flipH="1">
+              <a:off x="1361514" y="2819559"/>
+              <a:ext cx="0" cy="640080"/>
+            </a:xfrm>
+            <a:prstGeom prst="line">
+              <a:avLst/>
+            </a:prstGeom>
+            <a:ln w="28575">
+              <a:solidFill>
+                <a:srgbClr val="E54E21"/>
+              </a:solidFill>
+            </a:ln>
+          </p:spPr>
+          <p:style>
+            <a:lnRef idx="1">
+              <a:schemeClr val="accent4"/>
+            </a:lnRef>
+            <a:fillRef idx="0">
+              <a:schemeClr val="accent4"/>
+            </a:fillRef>
+            <a:effectRef idx="0">
+              <a:schemeClr val="accent4"/>
+            </a:effectRef>
+            <a:fontRef idx="minor">
+              <a:schemeClr val="tx1"/>
+            </a:fontRef>
+          </p:style>
+        </p:cxnSp>
+        <p:cxnSp>
+          <p:nvCxnSpPr>
+            <p:cNvPr id="123" name="Straight Connector 122">
+              <a:extLst>
+                <a:ext uri="{FF2B5EF4-FFF2-40B4-BE49-F238E27FC236}">
+                  <a16:creationId xmlns:a16="http://schemas.microsoft.com/office/drawing/2014/main" id="{3D11E07A-4CCE-6F41-5215-0AAF5F81B0B1}"/>
+                </a:ext>
+              </a:extLst>
+            </p:cNvPr>
+            <p:cNvCxnSpPr>
+              <a:cxnSpLocks/>
+            </p:cNvCxnSpPr>
+            <p:nvPr/>
+          </p:nvCxnSpPr>
+          <p:spPr>
+            <a:xfrm flipH="1" flipV="1">
+              <a:off x="1358648" y="2834640"/>
+              <a:ext cx="263127" cy="2381"/>
+            </a:xfrm>
+            <a:prstGeom prst="line">
+              <a:avLst/>
+            </a:prstGeom>
+            <a:ln w="28575">
+              <a:solidFill>
+                <a:srgbClr val="E54E21"/>
+              </a:solidFill>
+            </a:ln>
+          </p:spPr>
+          <p:style>
+            <a:lnRef idx="1">
+              <a:schemeClr val="accent4"/>
+            </a:lnRef>
+            <a:fillRef idx="0">
+              <a:schemeClr val="accent4"/>
+            </a:fillRef>
+            <a:effectRef idx="0">
+              <a:schemeClr val="accent4"/>
+            </a:effectRef>
+            <a:fontRef idx="minor">
+              <a:schemeClr val="tx1"/>
+            </a:fontRef>
+          </p:style>
+        </p:cxnSp>
+        <p:cxnSp>
+          <p:nvCxnSpPr>
+            <p:cNvPr id="124" name="Straight Connector 123">
+              <a:extLst>
+                <a:ext uri="{FF2B5EF4-FFF2-40B4-BE49-F238E27FC236}">
+                  <a16:creationId xmlns:a16="http://schemas.microsoft.com/office/drawing/2014/main" id="{730B5219-D983-F8B2-1704-B603B2E53CD2}"/>
+                </a:ext>
+              </a:extLst>
+            </p:cNvPr>
+            <p:cNvCxnSpPr>
+              <a:cxnSpLocks/>
+            </p:cNvCxnSpPr>
+            <p:nvPr/>
+          </p:nvCxnSpPr>
+          <p:spPr>
+            <a:xfrm>
+              <a:off x="1620956" y="2372080"/>
+              <a:ext cx="0" cy="478277"/>
+            </a:xfrm>
+            <a:prstGeom prst="line">
+              <a:avLst/>
+            </a:prstGeom>
+            <a:ln w="28575">
+              <a:solidFill>
+                <a:srgbClr val="E54E21"/>
+              </a:solidFill>
+            </a:ln>
+          </p:spPr>
+          <p:style>
+            <a:lnRef idx="1">
+              <a:schemeClr val="accent4"/>
+            </a:lnRef>
+            <a:fillRef idx="0">
+              <a:schemeClr val="accent4"/>
+            </a:fillRef>
+            <a:effectRef idx="0">
+              <a:schemeClr val="accent4"/>
+            </a:effectRef>
+            <a:fontRef idx="minor">
+              <a:schemeClr val="tx1"/>
+            </a:fontRef>
+          </p:style>
+        </p:cxnSp>
+      </p:grpSp>
+      <p:grpSp>
+        <p:nvGrpSpPr>
+          <p:cNvPr id="105" name="Group 104">
+            <a:extLst>
+              <a:ext uri="{FF2B5EF4-FFF2-40B4-BE49-F238E27FC236}">
+                <a16:creationId xmlns:a16="http://schemas.microsoft.com/office/drawing/2014/main" id="{CEEEA3DD-1456-CEEE-64DB-76E765CE0F08}"/>
+              </a:ext>
+            </a:extLst>
+          </p:cNvPr>
+          <p:cNvGrpSpPr/>
+          <p:nvPr/>
+        </p:nvGrpSpPr>
+        <p:grpSpPr>
+          <a:xfrm flipH="1">
+            <a:off x="5198046" y="2367405"/>
+            <a:ext cx="1039540" cy="1087559"/>
+            <a:chOff x="1358648" y="2372080"/>
+            <a:chExt cx="263127" cy="1087559"/>
+          </a:xfrm>
+        </p:grpSpPr>
+        <p:cxnSp>
+          <p:nvCxnSpPr>
+            <p:cNvPr id="109" name="Straight Connector 108">
+              <a:extLst>
+                <a:ext uri="{FF2B5EF4-FFF2-40B4-BE49-F238E27FC236}">
+                  <a16:creationId xmlns:a16="http://schemas.microsoft.com/office/drawing/2014/main" id="{DF9520D3-1AEA-9208-0EF5-7458E6F6A681}"/>
+                </a:ext>
+              </a:extLst>
+            </p:cNvPr>
+            <p:cNvCxnSpPr>
+              <a:cxnSpLocks/>
+            </p:cNvCxnSpPr>
+            <p:nvPr/>
+          </p:nvCxnSpPr>
+          <p:spPr>
+            <a:xfrm flipH="1">
+              <a:off x="1361514" y="2819559"/>
+              <a:ext cx="0" cy="640080"/>
+            </a:xfrm>
+            <a:prstGeom prst="line">
+              <a:avLst/>
+            </a:prstGeom>
+            <a:ln w="28575">
+              <a:solidFill>
+                <a:srgbClr val="E54E21"/>
+              </a:solidFill>
+            </a:ln>
+          </p:spPr>
+          <p:style>
+            <a:lnRef idx="1">
+              <a:schemeClr val="accent4"/>
+            </a:lnRef>
+            <a:fillRef idx="0">
+              <a:schemeClr val="accent4"/>
+            </a:fillRef>
+            <a:effectRef idx="0">
+              <a:schemeClr val="accent4"/>
+            </a:effectRef>
+            <a:fontRef idx="minor">
+              <a:schemeClr val="tx1"/>
+            </a:fontRef>
+          </p:style>
+        </p:cxnSp>
+        <p:cxnSp>
+          <p:nvCxnSpPr>
+            <p:cNvPr id="110" name="Straight Connector 109">
+              <a:extLst>
+                <a:ext uri="{FF2B5EF4-FFF2-40B4-BE49-F238E27FC236}">
+                  <a16:creationId xmlns:a16="http://schemas.microsoft.com/office/drawing/2014/main" id="{CB1050E1-5800-6712-F8BA-5166753592A2}"/>
+                </a:ext>
+              </a:extLst>
+            </p:cNvPr>
+            <p:cNvCxnSpPr>
+              <a:cxnSpLocks/>
+            </p:cNvCxnSpPr>
+            <p:nvPr/>
+          </p:nvCxnSpPr>
+          <p:spPr>
+            <a:xfrm flipH="1" flipV="1">
+              <a:off x="1358648" y="2834640"/>
+              <a:ext cx="263127" cy="2381"/>
+            </a:xfrm>
+            <a:prstGeom prst="line">
+              <a:avLst/>
+            </a:prstGeom>
+            <a:ln w="28575">
+              <a:solidFill>
+                <a:srgbClr val="E54E21"/>
+              </a:solidFill>
+            </a:ln>
+          </p:spPr>
+          <p:style>
+            <a:lnRef idx="1">
+              <a:schemeClr val="accent4"/>
+            </a:lnRef>
+            <a:fillRef idx="0">
+              <a:schemeClr val="accent4"/>
+            </a:fillRef>
+            <a:effectRef idx="0">
+              <a:schemeClr val="accent4"/>
+            </a:effectRef>
+            <a:fontRef idx="minor">
+              <a:schemeClr val="tx1"/>
+            </a:fontRef>
+          </p:style>
+        </p:cxnSp>
+        <p:cxnSp>
+          <p:nvCxnSpPr>
+            <p:cNvPr id="117" name="Straight Connector 116">
+              <a:extLst>
+                <a:ext uri="{FF2B5EF4-FFF2-40B4-BE49-F238E27FC236}">
+                  <a16:creationId xmlns:a16="http://schemas.microsoft.com/office/drawing/2014/main" id="{C90DB111-045C-A815-CC5F-1100D5D79BA7}"/>
+                </a:ext>
+              </a:extLst>
+            </p:cNvPr>
+            <p:cNvCxnSpPr>
+              <a:cxnSpLocks/>
+            </p:cNvCxnSpPr>
+            <p:nvPr/>
+          </p:nvCxnSpPr>
+          <p:spPr>
+            <a:xfrm>
+              <a:off x="1620956" y="2372080"/>
+              <a:ext cx="0" cy="478277"/>
+            </a:xfrm>
+            <a:prstGeom prst="line">
+              <a:avLst/>
+            </a:prstGeom>
+            <a:ln w="28575">
+              <a:solidFill>
+                <a:srgbClr val="E54E21"/>
+              </a:solidFill>
+            </a:ln>
+          </p:spPr>
+          <p:style>
+            <a:lnRef idx="1">
+              <a:schemeClr val="accent4"/>
+            </a:lnRef>
+            <a:fillRef idx="0">
+              <a:schemeClr val="accent4"/>
+            </a:fillRef>
+            <a:effectRef idx="0">
+              <a:schemeClr val="accent4"/>
+            </a:effectRef>
+            <a:fontRef idx="minor">
+              <a:schemeClr val="tx1"/>
+            </a:fontRef>
+          </p:style>
+        </p:cxnSp>
+      </p:grpSp>
+      <p:grpSp>
+        <p:nvGrpSpPr>
+          <p:cNvPr id="91" name="Group 90">
+            <a:extLst>
+              <a:ext uri="{FF2B5EF4-FFF2-40B4-BE49-F238E27FC236}">
+                <a16:creationId xmlns:a16="http://schemas.microsoft.com/office/drawing/2014/main" id="{72FF4E32-A468-78CE-AD30-B4832F0D1238}"/>
+              </a:ext>
+            </a:extLst>
+          </p:cNvPr>
+          <p:cNvGrpSpPr/>
+          <p:nvPr/>
+        </p:nvGrpSpPr>
+        <p:grpSpPr>
+          <a:xfrm flipH="1">
+            <a:off x="3808261" y="2379054"/>
+            <a:ext cx="1195363" cy="1038041"/>
+            <a:chOff x="1358648" y="2375686"/>
+            <a:chExt cx="263127" cy="1572182"/>
+          </a:xfrm>
+        </p:grpSpPr>
+        <p:cxnSp>
+          <p:nvCxnSpPr>
+            <p:cNvPr id="96" name="Straight Connector 95">
+              <a:extLst>
+                <a:ext uri="{FF2B5EF4-FFF2-40B4-BE49-F238E27FC236}">
+                  <a16:creationId xmlns:a16="http://schemas.microsoft.com/office/drawing/2014/main" id="{45E48A8E-A01B-F283-CF4C-FAA2C49F3AF2}"/>
+                </a:ext>
+              </a:extLst>
+            </p:cNvPr>
+            <p:cNvCxnSpPr>
+              <a:cxnSpLocks/>
+            </p:cNvCxnSpPr>
+            <p:nvPr/>
+          </p:nvCxnSpPr>
+          <p:spPr>
+            <a:xfrm flipH="1">
+              <a:off x="1359172" y="2814229"/>
+              <a:ext cx="2062" cy="1133639"/>
+            </a:xfrm>
+            <a:prstGeom prst="line">
+              <a:avLst/>
+            </a:prstGeom>
+            <a:ln w="28575">
+              <a:solidFill>
+                <a:srgbClr val="E54E21"/>
+              </a:solidFill>
+            </a:ln>
+          </p:spPr>
+          <p:style>
+            <a:lnRef idx="1">
+              <a:schemeClr val="accent4"/>
+            </a:lnRef>
+            <a:fillRef idx="0">
+              <a:schemeClr val="accent4"/>
+            </a:fillRef>
+            <a:effectRef idx="0">
+              <a:schemeClr val="accent4"/>
+            </a:effectRef>
+            <a:fontRef idx="minor">
+              <a:schemeClr val="tx1"/>
+            </a:fontRef>
+          </p:style>
+        </p:cxnSp>
+        <p:cxnSp>
+          <p:nvCxnSpPr>
+            <p:cNvPr id="99" name="Straight Connector 98">
+              <a:extLst>
+                <a:ext uri="{FF2B5EF4-FFF2-40B4-BE49-F238E27FC236}">
+                  <a16:creationId xmlns:a16="http://schemas.microsoft.com/office/drawing/2014/main" id="{39E32996-2790-5671-0924-158637D757A9}"/>
+                </a:ext>
+              </a:extLst>
+            </p:cNvPr>
+            <p:cNvCxnSpPr>
+              <a:cxnSpLocks/>
+            </p:cNvCxnSpPr>
+            <p:nvPr/>
+          </p:nvCxnSpPr>
+          <p:spPr>
+            <a:xfrm flipH="1" flipV="1">
+              <a:off x="1358648" y="2834640"/>
+              <a:ext cx="263127" cy="2381"/>
+            </a:xfrm>
+            <a:prstGeom prst="line">
+              <a:avLst/>
+            </a:prstGeom>
+            <a:ln w="28575">
+              <a:solidFill>
+                <a:srgbClr val="E54E21"/>
+              </a:solidFill>
+            </a:ln>
+          </p:spPr>
+          <p:style>
+            <a:lnRef idx="1">
+              <a:schemeClr val="accent4"/>
+            </a:lnRef>
+            <a:fillRef idx="0">
+              <a:schemeClr val="accent4"/>
+            </a:fillRef>
+            <a:effectRef idx="0">
+              <a:schemeClr val="accent4"/>
+            </a:effectRef>
+            <a:fontRef idx="minor">
+              <a:schemeClr val="tx1"/>
+            </a:fontRef>
+          </p:style>
+        </p:cxnSp>
+        <p:cxnSp>
+          <p:nvCxnSpPr>
+            <p:cNvPr id="102" name="Straight Connector 101">
+              <a:extLst>
+                <a:ext uri="{FF2B5EF4-FFF2-40B4-BE49-F238E27FC236}">
+                  <a16:creationId xmlns:a16="http://schemas.microsoft.com/office/drawing/2014/main" id="{D18D4578-E9D6-C703-4DF0-B0ADCEDD2A4C}"/>
+                </a:ext>
+              </a:extLst>
+            </p:cNvPr>
+            <p:cNvCxnSpPr>
+              <a:cxnSpLocks/>
+            </p:cNvCxnSpPr>
+            <p:nvPr/>
+          </p:nvCxnSpPr>
+          <p:spPr>
+            <a:xfrm>
+              <a:off x="1620956" y="2375686"/>
+              <a:ext cx="0" cy="478277"/>
+            </a:xfrm>
+            <a:prstGeom prst="line">
+              <a:avLst/>
+            </a:prstGeom>
+            <a:ln w="28575">
+              <a:solidFill>
+                <a:srgbClr val="E54E21"/>
+              </a:solidFill>
+            </a:ln>
+          </p:spPr>
+          <p:style>
+            <a:lnRef idx="1">
+              <a:schemeClr val="accent4"/>
+            </a:lnRef>
+            <a:fillRef idx="0">
+              <a:schemeClr val="accent4"/>
+            </a:fillRef>
+            <a:effectRef idx="0">
+              <a:schemeClr val="accent4"/>
+            </a:effectRef>
+            <a:fontRef idx="minor">
+              <a:schemeClr val="tx1"/>
+            </a:fontRef>
+          </p:style>
+        </p:cxnSp>
+      </p:grpSp>
+      <p:grpSp>
+        <p:nvGrpSpPr>
+          <p:cNvPr id="83" name="Group 82">
+            <a:extLst>
+              <a:ext uri="{FF2B5EF4-FFF2-40B4-BE49-F238E27FC236}">
+                <a16:creationId xmlns:a16="http://schemas.microsoft.com/office/drawing/2014/main" id="{D9E104AB-9EED-EAED-B7DF-663336CD49AD}"/>
+              </a:ext>
+            </a:extLst>
+          </p:cNvPr>
+          <p:cNvGrpSpPr/>
+          <p:nvPr/>
+        </p:nvGrpSpPr>
+        <p:grpSpPr>
+          <a:xfrm flipH="1">
+            <a:off x="2726203" y="2372080"/>
+            <a:ext cx="1814837" cy="1100259"/>
+            <a:chOff x="1358648" y="2372080"/>
+            <a:chExt cx="263127" cy="1100259"/>
+          </a:xfrm>
+        </p:grpSpPr>
+        <p:cxnSp>
+          <p:nvCxnSpPr>
+            <p:cNvPr id="84" name="Straight Connector 83">
+              <a:extLst>
+                <a:ext uri="{FF2B5EF4-FFF2-40B4-BE49-F238E27FC236}">
+                  <a16:creationId xmlns:a16="http://schemas.microsoft.com/office/drawing/2014/main" id="{7F1ECA20-DAD7-6349-CB46-59C8D1DC8A10}"/>
+                </a:ext>
+              </a:extLst>
+            </p:cNvPr>
+            <p:cNvCxnSpPr>
+              <a:cxnSpLocks/>
+            </p:cNvCxnSpPr>
+            <p:nvPr/>
+          </p:nvCxnSpPr>
+          <p:spPr>
+            <a:xfrm flipH="1">
+              <a:off x="1360710" y="2832259"/>
+              <a:ext cx="0" cy="640080"/>
+            </a:xfrm>
+            <a:prstGeom prst="line">
+              <a:avLst/>
+            </a:prstGeom>
+            <a:ln w="28575">
+              <a:solidFill>
+                <a:srgbClr val="E54E21"/>
+              </a:solidFill>
+            </a:ln>
+          </p:spPr>
+          <p:style>
+            <a:lnRef idx="1">
+              <a:schemeClr val="accent4"/>
+            </a:lnRef>
+            <a:fillRef idx="0">
+              <a:schemeClr val="accent4"/>
+            </a:fillRef>
+            <a:effectRef idx="0">
+              <a:schemeClr val="accent4"/>
+            </a:effectRef>
+            <a:fontRef idx="minor">
+              <a:schemeClr val="tx1"/>
+            </a:fontRef>
+          </p:style>
+        </p:cxnSp>
+        <p:cxnSp>
+          <p:nvCxnSpPr>
+            <p:cNvPr id="85" name="Straight Connector 84">
+              <a:extLst>
+                <a:ext uri="{FF2B5EF4-FFF2-40B4-BE49-F238E27FC236}">
+                  <a16:creationId xmlns:a16="http://schemas.microsoft.com/office/drawing/2014/main" id="{343AEAE1-D713-B3F1-03EB-C18B9AFCE425}"/>
+                </a:ext>
+              </a:extLst>
+            </p:cNvPr>
+            <p:cNvCxnSpPr>
+              <a:cxnSpLocks/>
+            </p:cNvCxnSpPr>
+            <p:nvPr/>
+          </p:nvCxnSpPr>
+          <p:spPr>
+            <a:xfrm flipH="1" flipV="1">
+              <a:off x="1358648" y="2834640"/>
+              <a:ext cx="263127" cy="2381"/>
+            </a:xfrm>
+            <a:prstGeom prst="line">
+              <a:avLst/>
+            </a:prstGeom>
+            <a:ln w="28575">
+              <a:solidFill>
+                <a:srgbClr val="E54E21"/>
+              </a:solidFill>
+            </a:ln>
+          </p:spPr>
+          <p:style>
+            <a:lnRef idx="1">
+              <a:schemeClr val="accent4"/>
+            </a:lnRef>
+            <a:fillRef idx="0">
+              <a:schemeClr val="accent4"/>
+            </a:fillRef>
+            <a:effectRef idx="0">
+              <a:schemeClr val="accent4"/>
+            </a:effectRef>
+            <a:fontRef idx="minor">
+              <a:schemeClr val="tx1"/>
+            </a:fontRef>
+          </p:style>
+        </p:cxnSp>
+        <p:cxnSp>
+          <p:nvCxnSpPr>
+            <p:cNvPr id="86" name="Straight Connector 85">
+              <a:extLst>
+                <a:ext uri="{FF2B5EF4-FFF2-40B4-BE49-F238E27FC236}">
+                  <a16:creationId xmlns:a16="http://schemas.microsoft.com/office/drawing/2014/main" id="{9F9BA874-23BC-5AF8-29A9-B57A260963F1}"/>
+                </a:ext>
+              </a:extLst>
+            </p:cNvPr>
+            <p:cNvCxnSpPr>
+              <a:cxnSpLocks/>
+            </p:cNvCxnSpPr>
+            <p:nvPr/>
+          </p:nvCxnSpPr>
+          <p:spPr>
+            <a:xfrm>
+              <a:off x="1620956" y="2372080"/>
+              <a:ext cx="0" cy="478277"/>
+            </a:xfrm>
+            <a:prstGeom prst="line">
+              <a:avLst/>
+            </a:prstGeom>
+            <a:ln w="28575">
+              <a:solidFill>
+                <a:srgbClr val="E54E21"/>
+              </a:solidFill>
+            </a:ln>
+          </p:spPr>
+          <p:style>
+            <a:lnRef idx="1">
+              <a:schemeClr val="accent4"/>
+            </a:lnRef>
+            <a:fillRef idx="0">
+              <a:schemeClr val="accent4"/>
+            </a:fillRef>
+            <a:effectRef idx="0">
+              <a:schemeClr val="accent4"/>
+            </a:effectRef>
+            <a:fontRef idx="minor">
+              <a:schemeClr val="tx1"/>
+            </a:fontRef>
+          </p:style>
+        </p:cxnSp>
+      </p:grpSp>
+      <p:grpSp>
+        <p:nvGrpSpPr>
+          <p:cNvPr id="77" name="Group 76">
+            <a:extLst>
+              <a:ext uri="{FF2B5EF4-FFF2-40B4-BE49-F238E27FC236}">
+                <a16:creationId xmlns:a16="http://schemas.microsoft.com/office/drawing/2014/main" id="{95AEC851-0623-4EE4-ED0D-52E4E3C0EE33}"/>
+              </a:ext>
+            </a:extLst>
+          </p:cNvPr>
+          <p:cNvGrpSpPr/>
+          <p:nvPr/>
+        </p:nvGrpSpPr>
+        <p:grpSpPr>
+          <a:xfrm>
+            <a:off x="1347114" y="2372080"/>
+            <a:ext cx="273842" cy="1102640"/>
+            <a:chOff x="1347114" y="2372080"/>
+            <a:chExt cx="273842" cy="1102640"/>
+          </a:xfrm>
+        </p:grpSpPr>
+        <p:cxnSp>
+          <p:nvCxnSpPr>
+            <p:cNvPr id="46" name="Straight Connector 45">
+              <a:extLst>
+                <a:ext uri="{FF2B5EF4-FFF2-40B4-BE49-F238E27FC236}">
+                  <a16:creationId xmlns:a16="http://schemas.microsoft.com/office/drawing/2014/main" id="{F6B9DB0C-5824-E0B3-DC3F-1E2651E58BE5}"/>
+                </a:ext>
+              </a:extLst>
+            </p:cNvPr>
+            <p:cNvCxnSpPr>
+              <a:cxnSpLocks/>
+            </p:cNvCxnSpPr>
+            <p:nvPr/>
+          </p:nvCxnSpPr>
+          <p:spPr>
+            <a:xfrm flipH="1">
+              <a:off x="1361400" y="2834640"/>
+              <a:ext cx="0" cy="640080"/>
+            </a:xfrm>
+            <a:prstGeom prst="line">
+              <a:avLst/>
+            </a:prstGeom>
+            <a:ln w="28575">
+              <a:solidFill>
+                <a:srgbClr val="E54E21"/>
+              </a:solidFill>
+            </a:ln>
+          </p:spPr>
+          <p:style>
+            <a:lnRef idx="1">
+              <a:schemeClr val="accent4"/>
+            </a:lnRef>
+            <a:fillRef idx="0">
+              <a:schemeClr val="accent4"/>
+            </a:fillRef>
+            <a:effectRef idx="0">
+              <a:schemeClr val="accent4"/>
+            </a:effectRef>
+            <a:fontRef idx="minor">
+              <a:schemeClr val="tx1"/>
+            </a:fontRef>
+          </p:style>
+        </p:cxnSp>
+        <p:cxnSp>
+          <p:nvCxnSpPr>
+            <p:cNvPr id="62" name="Straight Connector 61">
+              <a:extLst>
+                <a:ext uri="{FF2B5EF4-FFF2-40B4-BE49-F238E27FC236}">
+                  <a16:creationId xmlns:a16="http://schemas.microsoft.com/office/drawing/2014/main" id="{7586010B-7AD0-2012-5DD1-34EDD0EE0441}"/>
+                </a:ext>
+              </a:extLst>
+            </p:cNvPr>
+            <p:cNvCxnSpPr>
+              <a:cxnSpLocks/>
+            </p:cNvCxnSpPr>
+            <p:nvPr/>
+          </p:nvCxnSpPr>
+          <p:spPr>
+            <a:xfrm flipH="1">
+              <a:off x="1347114" y="2837021"/>
+              <a:ext cx="264992" cy="0"/>
+            </a:xfrm>
+            <a:prstGeom prst="line">
+              <a:avLst/>
+            </a:prstGeom>
+            <a:ln w="28575">
+              <a:solidFill>
+                <a:srgbClr val="E54E21"/>
+              </a:solidFill>
+            </a:ln>
+          </p:spPr>
+          <p:style>
+            <a:lnRef idx="1">
+              <a:schemeClr val="accent4"/>
+            </a:lnRef>
+            <a:fillRef idx="0">
+              <a:schemeClr val="accent4"/>
+            </a:fillRef>
+            <a:effectRef idx="0">
+              <a:schemeClr val="accent4"/>
+            </a:effectRef>
+            <a:fontRef idx="minor">
+              <a:schemeClr val="tx1"/>
+            </a:fontRef>
+          </p:style>
+        </p:cxnSp>
+        <p:cxnSp>
+          <p:nvCxnSpPr>
+            <p:cNvPr id="73" name="Straight Connector 72">
+              <a:extLst>
+                <a:ext uri="{FF2B5EF4-FFF2-40B4-BE49-F238E27FC236}">
+                  <a16:creationId xmlns:a16="http://schemas.microsoft.com/office/drawing/2014/main" id="{8A13303E-C4B2-D0D9-5E1D-728CDB0DA8E8}"/>
+                </a:ext>
+              </a:extLst>
+            </p:cNvPr>
+            <p:cNvCxnSpPr>
+              <a:cxnSpLocks/>
+            </p:cNvCxnSpPr>
+            <p:nvPr/>
+          </p:nvCxnSpPr>
+          <p:spPr>
+            <a:xfrm>
+              <a:off x="1620956" y="2372080"/>
+              <a:ext cx="0" cy="478277"/>
+            </a:xfrm>
+            <a:prstGeom prst="line">
+              <a:avLst/>
+            </a:prstGeom>
+            <a:ln w="28575">
+              <a:solidFill>
+                <a:srgbClr val="E54E21"/>
+              </a:solidFill>
+            </a:ln>
+          </p:spPr>
+          <p:style>
+            <a:lnRef idx="1">
+              <a:schemeClr val="accent4"/>
+            </a:lnRef>
+            <a:fillRef idx="0">
+              <a:schemeClr val="accent4"/>
+            </a:fillRef>
+            <a:effectRef idx="0">
+              <a:schemeClr val="accent4"/>
+            </a:effectRef>
+            <a:fontRef idx="minor">
+              <a:schemeClr val="tx1"/>
+            </a:fontRef>
+          </p:style>
+        </p:cxnSp>
+      </p:grpSp>
+      <p:grpSp>
+        <p:nvGrpSpPr>
           <p:cNvPr id="120" name="Group 119">
             <a:extLst>
               <a:ext uri="{FF2B5EF4-FFF2-40B4-BE49-F238E27FC236}">
@@ -4248,51 +5712,6 @@
       </p:cxnSp>
       <p:cxnSp>
         <p:nvCxnSpPr>
-          <p:cNvPr id="79" name="Connector: Elbow 78">
-            <a:extLst>
-              <a:ext uri="{FF2B5EF4-FFF2-40B4-BE49-F238E27FC236}">
-                <a16:creationId xmlns:a16="http://schemas.microsoft.com/office/drawing/2014/main" id="{A8E0C6ED-093A-F919-E806-E1993173BA56}"/>
-              </a:ext>
-            </a:extLst>
-          </p:cNvPr>
-          <p:cNvCxnSpPr>
-            <a:cxnSpLocks/>
-          </p:cNvCxnSpPr>
-          <p:nvPr/>
-        </p:nvCxnSpPr>
-        <p:spPr>
-          <a:xfrm rot="5400000" flipH="1" flipV="1">
-            <a:off x="9724700" y="2560320"/>
-            <a:ext cx="1097280" cy="731520"/>
-          </a:xfrm>
-          <a:prstGeom prst="bentConnector3">
-            <a:avLst>
-              <a:gd name="adj1" fmla="val 91303"/>
-            </a:avLst>
-          </a:prstGeom>
-          <a:ln w="28575">
-            <a:solidFill>
-              <a:srgbClr val="E54E21"/>
-            </a:solidFill>
-          </a:ln>
-        </p:spPr>
-        <p:style>
-          <a:lnRef idx="1">
-            <a:schemeClr val="accent1"/>
-          </a:lnRef>
-          <a:fillRef idx="0">
-            <a:schemeClr val="accent1"/>
-          </a:fillRef>
-          <a:effectRef idx="0">
-            <a:schemeClr val="accent1"/>
-          </a:effectRef>
-          <a:fontRef idx="minor">
-            <a:schemeClr val="tx1"/>
-          </a:fontRef>
-        </p:style>
-      </p:cxnSp>
-      <p:cxnSp>
-        <p:nvCxnSpPr>
           <p:cNvPr id="39" name="Connector: Elbow 38">
             <a:extLst>
               <a:ext uri="{FF2B5EF4-FFF2-40B4-BE49-F238E27FC236}">
@@ -4951,8 +6370,8 @@
         </p:nvSpPr>
         <p:spPr>
           <a:xfrm>
-            <a:off x="7211061" y="1828800"/>
-            <a:ext cx="1417320" cy="548640"/>
+            <a:off x="7841595" y="1828800"/>
+            <a:ext cx="1382450" cy="548640"/>
           </a:xfrm>
           <a:prstGeom prst="rect">
             <a:avLst/>
@@ -5036,7 +6455,17 @@
                 <a:latin typeface="Arial" panose="020B0604020202020204" pitchFamily="34" charset="0"/>
                 <a:cs typeface="Arial" panose="020B0604020202020204" pitchFamily="34" charset="0"/>
               </a:rPr>
-              <a:t> functional diversity metrics</a:t>
+              <a:t> </a:t>
+            </a:r>
+            <a:r>
+              <a:rPr lang="en-US" sz="900" dirty="0">
+                <a:solidFill>
+                  <a:srgbClr val="000000"/>
+                </a:solidFill>
+                <a:latin typeface="Arial" panose="020B0604020202020204" pitchFamily="34" charset="0"/>
+                <a:cs typeface="Arial" panose="020B0604020202020204" pitchFamily="34" charset="0"/>
+              </a:rPr>
+              <a:t>functional diversity metrics</a:t>
             </a:r>
             <a:endParaRPr lang="en-US" sz="1000" dirty="0">
               <a:latin typeface="Arial" panose="020B0604020202020204" pitchFamily="34" charset="0"/>
@@ -5059,8 +6488,8 @@
         </p:nvSpPr>
         <p:spPr>
           <a:xfrm>
-            <a:off x="10541000" y="1826121"/>
-            <a:ext cx="1005840" cy="553998"/>
+            <a:off x="11057943" y="1826121"/>
+            <a:ext cx="1005840" cy="548640"/>
           </a:xfrm>
           <a:prstGeom prst="rect">
             <a:avLst/>
@@ -5296,49 +6725,6 @@
           </a:fillRef>
           <a:effectRef idx="0">
             <a:schemeClr val="accent3"/>
-          </a:effectRef>
-          <a:fontRef idx="minor">
-            <a:schemeClr val="tx1"/>
-          </a:fontRef>
-        </p:style>
-      </p:cxnSp>
-      <p:cxnSp>
-        <p:nvCxnSpPr>
-          <p:cNvPr id="46" name="Straight Connector 45">
-            <a:extLst>
-              <a:ext uri="{FF2B5EF4-FFF2-40B4-BE49-F238E27FC236}">
-                <a16:creationId xmlns:a16="http://schemas.microsoft.com/office/drawing/2014/main" id="{F6B9DB0C-5824-E0B3-DC3F-1E2651E58BE5}"/>
-              </a:ext>
-            </a:extLst>
-          </p:cNvPr>
-          <p:cNvCxnSpPr>
-            <a:cxnSpLocks/>
-          </p:cNvCxnSpPr>
-          <p:nvPr/>
-        </p:nvCxnSpPr>
-        <p:spPr>
-          <a:xfrm>
-            <a:off x="1361400" y="2377440"/>
-            <a:ext cx="0" cy="1097280"/>
-          </a:xfrm>
-          <a:prstGeom prst="line">
-            <a:avLst/>
-          </a:prstGeom>
-          <a:ln w="28575">
-            <a:solidFill>
-              <a:srgbClr val="E54E21"/>
-            </a:solidFill>
-          </a:ln>
-        </p:spPr>
-        <p:style>
-          <a:lnRef idx="1">
-            <a:schemeClr val="accent4"/>
-          </a:lnRef>
-          <a:fillRef idx="0">
-            <a:schemeClr val="accent4"/>
-          </a:fillRef>
-          <a:effectRef idx="0">
-            <a:schemeClr val="accent4"/>
           </a:effectRef>
           <a:fontRef idx="minor">
             <a:schemeClr val="tx1"/>
@@ -5430,135 +6816,6 @@
           </a:p>
         </p:txBody>
       </p:sp>
-      <p:cxnSp>
-        <p:nvCxnSpPr>
-          <p:cNvPr id="68" name="Straight Connector 67">
-            <a:extLst>
-              <a:ext uri="{FF2B5EF4-FFF2-40B4-BE49-F238E27FC236}">
-                <a16:creationId xmlns:a16="http://schemas.microsoft.com/office/drawing/2014/main" id="{E3CA71A2-5225-820A-1A52-BE72D7B83A03}"/>
-              </a:ext>
-            </a:extLst>
-          </p:cNvPr>
-          <p:cNvCxnSpPr>
-            <a:cxnSpLocks/>
-          </p:cNvCxnSpPr>
-          <p:nvPr/>
-        </p:nvCxnSpPr>
-        <p:spPr>
-          <a:xfrm>
-            <a:off x="5017476" y="2377440"/>
-            <a:ext cx="0" cy="1097280"/>
-          </a:xfrm>
-          <a:prstGeom prst="line">
-            <a:avLst/>
-          </a:prstGeom>
-          <a:ln w="28575">
-            <a:solidFill>
-              <a:srgbClr val="E54E21"/>
-            </a:solidFill>
-          </a:ln>
-        </p:spPr>
-        <p:style>
-          <a:lnRef idx="1">
-            <a:schemeClr val="accent4"/>
-          </a:lnRef>
-          <a:fillRef idx="0">
-            <a:schemeClr val="accent4"/>
-          </a:fillRef>
-          <a:effectRef idx="0">
-            <a:schemeClr val="accent4"/>
-          </a:effectRef>
-          <a:fontRef idx="minor">
-            <a:schemeClr val="tx1"/>
-          </a:fontRef>
-        </p:style>
-      </p:cxnSp>
-      <p:cxnSp>
-        <p:nvCxnSpPr>
-          <p:cNvPr id="74" name="Straight Connector 73">
-            <a:extLst>
-              <a:ext uri="{FF2B5EF4-FFF2-40B4-BE49-F238E27FC236}">
-                <a16:creationId xmlns:a16="http://schemas.microsoft.com/office/drawing/2014/main" id="{9B00CAA4-814C-9582-8EC0-127EAB7A21FE}"/>
-              </a:ext>
-            </a:extLst>
-          </p:cNvPr>
-          <p:cNvCxnSpPr>
-            <a:cxnSpLocks/>
-          </p:cNvCxnSpPr>
-          <p:nvPr/>
-        </p:nvCxnSpPr>
-        <p:spPr>
-          <a:xfrm>
-            <a:off x="6345449" y="2377440"/>
-            <a:ext cx="0" cy="1097280"/>
-          </a:xfrm>
-          <a:prstGeom prst="line">
-            <a:avLst/>
-          </a:prstGeom>
-          <a:ln w="28575">
-            <a:solidFill>
-              <a:srgbClr val="E54E21"/>
-            </a:solidFill>
-          </a:ln>
-        </p:spPr>
-        <p:style>
-          <a:lnRef idx="1">
-            <a:schemeClr val="accent4"/>
-          </a:lnRef>
-          <a:fillRef idx="0">
-            <a:schemeClr val="accent4"/>
-          </a:fillRef>
-          <a:effectRef idx="0">
-            <a:schemeClr val="accent4"/>
-          </a:effectRef>
-          <a:fontRef idx="minor">
-            <a:schemeClr val="tx1"/>
-          </a:fontRef>
-        </p:style>
-      </p:cxnSp>
-      <p:cxnSp>
-        <p:nvCxnSpPr>
-          <p:cNvPr id="75" name="Straight Connector 74">
-            <a:extLst>
-              <a:ext uri="{FF2B5EF4-FFF2-40B4-BE49-F238E27FC236}">
-                <a16:creationId xmlns:a16="http://schemas.microsoft.com/office/drawing/2014/main" id="{E8B7E72C-19F9-C2D7-85C2-C0B512C7F72C}"/>
-              </a:ext>
-            </a:extLst>
-          </p:cNvPr>
-          <p:cNvCxnSpPr>
-            <a:cxnSpLocks/>
-          </p:cNvCxnSpPr>
-          <p:nvPr/>
-        </p:nvCxnSpPr>
-        <p:spPr>
-          <a:xfrm>
-            <a:off x="9515180" y="2377440"/>
-            <a:ext cx="0" cy="1097280"/>
-          </a:xfrm>
-          <a:prstGeom prst="line">
-            <a:avLst/>
-          </a:prstGeom>
-          <a:ln w="28575">
-            <a:solidFill>
-              <a:srgbClr val="E54E21"/>
-            </a:solidFill>
-          </a:ln>
-        </p:spPr>
-        <p:style>
-          <a:lnRef idx="1">
-            <a:schemeClr val="accent4"/>
-          </a:lnRef>
-          <a:fillRef idx="0">
-            <a:schemeClr val="accent4"/>
-          </a:fillRef>
-          <a:effectRef idx="0">
-            <a:schemeClr val="accent4"/>
-          </a:effectRef>
-          <a:fontRef idx="minor">
-            <a:schemeClr val="tx1"/>
-          </a:fontRef>
-        </p:style>
-      </p:cxnSp>
       <p:sp>
         <p:nvSpPr>
           <p:cNvPr id="87" name="Rectangle 86">
@@ -7898,7 +9155,7 @@
         <p:spPr>
           <a:xfrm>
             <a:off x="1188720" y="1828800"/>
-            <a:ext cx="1005840" cy="548640"/>
+            <a:ext cx="905074" cy="548640"/>
           </a:xfrm>
           <a:prstGeom prst="rect">
             <a:avLst/>
@@ -7951,7 +9208,7 @@
               <a:t>) </a:t>
             </a:r>
             <a:r>
-              <a:rPr lang="en-US" sz="1000" dirty="0">
+              <a:rPr lang="en-US" sz="900" dirty="0">
                 <a:solidFill>
                   <a:srgbClr val="000000"/>
                 </a:solidFill>
@@ -7981,7 +9238,7 @@
         </p:nvSpPr>
         <p:spPr>
           <a:xfrm>
-            <a:off x="4206240" y="1828800"/>
+            <a:off x="3356268" y="1828800"/>
             <a:ext cx="914400" cy="548640"/>
           </a:xfrm>
           <a:prstGeom prst="rect">
@@ -8058,8 +9315,8 @@
         </p:nvSpPr>
         <p:spPr>
           <a:xfrm>
-            <a:off x="5303520" y="1828800"/>
-            <a:ext cx="1737360" cy="548640"/>
+            <a:off x="4467748" y="1828800"/>
+            <a:ext cx="1486668" cy="548640"/>
           </a:xfrm>
           <a:prstGeom prst="rect">
             <a:avLst/>
@@ -8134,12 +9391,16 @@
               <a:t>) </a:t>
             </a:r>
             <a:r>
-              <a:rPr lang="en-US" sz="1000" dirty="0">
+              <a:rPr lang="en-US" sz="900" dirty="0">
                 <a:latin typeface="Arial" panose="020B0604020202020204" pitchFamily="34" charset="0"/>
                 <a:cs typeface="Arial" panose="020B0604020202020204" pitchFamily="34" charset="0"/>
               </a:rPr>
               <a:t>canonical correspondence analysis</a:t>
             </a:r>
+            <a:endParaRPr lang="en-US" sz="1000" dirty="0">
+              <a:latin typeface="Arial" panose="020B0604020202020204" pitchFamily="34" charset="0"/>
+              <a:cs typeface="Arial" panose="020B0604020202020204" pitchFamily="34" charset="0"/>
+            </a:endParaRPr>
           </a:p>
         </p:txBody>
       </p:sp>
@@ -8450,8 +9711,8 @@
         </p:nvSpPr>
         <p:spPr>
           <a:xfrm>
-            <a:off x="8778240" y="1828800"/>
-            <a:ext cx="1645920" cy="548640"/>
+            <a:off x="9478188" y="1828800"/>
+            <a:ext cx="1429085" cy="548640"/>
           </a:xfrm>
           <a:prstGeom prst="rect">
             <a:avLst/>
@@ -8526,12 +9787,16 @@
               <a:t>) </a:t>
             </a:r>
             <a:r>
-              <a:rPr lang="en-US" sz="1000" dirty="0">
+              <a:rPr lang="en-US" sz="900" dirty="0">
                 <a:latin typeface="Arial" panose="020B0604020202020204" pitchFamily="34" charset="0"/>
                 <a:cs typeface="Arial" panose="020B0604020202020204" pitchFamily="34" charset="0"/>
               </a:rPr>
               <a:t>coverage-based species richness estimation</a:t>
             </a:r>
+            <a:endParaRPr lang="en-US" sz="1000" dirty="0">
+              <a:latin typeface="Arial" panose="020B0604020202020204" pitchFamily="34" charset="0"/>
+              <a:cs typeface="Arial" panose="020B0604020202020204" pitchFamily="34" charset="0"/>
+            </a:endParaRPr>
           </a:p>
         </p:txBody>
       </p:sp>
@@ -9295,10 +10560,987 @@
           </a:p>
         </p:txBody>
       </p:sp>
+      <p:grpSp>
+        <p:nvGrpSpPr>
+          <p:cNvPr id="44" name="Group 43">
+            <a:extLst>
+              <a:ext uri="{FF2B5EF4-FFF2-40B4-BE49-F238E27FC236}">
+                <a16:creationId xmlns:a16="http://schemas.microsoft.com/office/drawing/2014/main" id="{AD72162F-2BAB-95F6-8F91-60FD77410BE1}"/>
+              </a:ext>
+            </a:extLst>
+          </p:cNvPr>
+          <p:cNvGrpSpPr/>
+          <p:nvPr/>
+        </p:nvGrpSpPr>
+        <p:grpSpPr>
+          <a:xfrm>
+            <a:off x="8592345" y="3823335"/>
+            <a:ext cx="758772" cy="324803"/>
+            <a:chOff x="8592345" y="3823335"/>
+            <a:chExt cx="758772" cy="324803"/>
+          </a:xfrm>
+        </p:grpSpPr>
+        <p:cxnSp>
+          <p:nvCxnSpPr>
+            <p:cNvPr id="31" name="Straight Connector 30">
+              <a:extLst>
+                <a:ext uri="{FF2B5EF4-FFF2-40B4-BE49-F238E27FC236}">
+                  <a16:creationId xmlns:a16="http://schemas.microsoft.com/office/drawing/2014/main" id="{E88AC06D-2F18-2187-6A28-2E4911C5A53E}"/>
+                </a:ext>
+              </a:extLst>
+            </p:cNvPr>
+            <p:cNvCxnSpPr>
+              <a:cxnSpLocks/>
+            </p:cNvCxnSpPr>
+            <p:nvPr/>
+          </p:nvCxnSpPr>
+          <p:spPr>
+            <a:xfrm>
+              <a:off x="9350155" y="3823335"/>
+              <a:ext cx="0" cy="170021"/>
+            </a:xfrm>
+            <a:prstGeom prst="line">
+              <a:avLst/>
+            </a:prstGeom>
+            <a:ln w="28575">
+              <a:solidFill>
+                <a:srgbClr val="6C8645"/>
+              </a:solidFill>
+            </a:ln>
+          </p:spPr>
+          <p:style>
+            <a:lnRef idx="1">
+              <a:schemeClr val="accent4"/>
+            </a:lnRef>
+            <a:fillRef idx="0">
+              <a:schemeClr val="accent4"/>
+            </a:fillRef>
+            <a:effectRef idx="0">
+              <a:schemeClr val="accent4"/>
+            </a:effectRef>
+            <a:fontRef idx="minor">
+              <a:schemeClr val="tx1"/>
+            </a:fontRef>
+          </p:style>
+        </p:cxnSp>
+        <p:cxnSp>
+          <p:nvCxnSpPr>
+            <p:cNvPr id="35" name="Straight Connector 34">
+              <a:extLst>
+                <a:ext uri="{FF2B5EF4-FFF2-40B4-BE49-F238E27FC236}">
+                  <a16:creationId xmlns:a16="http://schemas.microsoft.com/office/drawing/2014/main" id="{E53702B2-E010-8F01-F3EE-C07F3D637F55}"/>
+                </a:ext>
+              </a:extLst>
+            </p:cNvPr>
+            <p:cNvCxnSpPr>
+              <a:cxnSpLocks/>
+            </p:cNvCxnSpPr>
+            <p:nvPr/>
+          </p:nvCxnSpPr>
+          <p:spPr>
+            <a:xfrm flipH="1">
+              <a:off x="8592345" y="3980498"/>
+              <a:ext cx="758772" cy="0"/>
+            </a:xfrm>
+            <a:prstGeom prst="line">
+              <a:avLst/>
+            </a:prstGeom>
+            <a:ln w="28575">
+              <a:solidFill>
+                <a:srgbClr val="6C8645"/>
+              </a:solidFill>
+            </a:ln>
+          </p:spPr>
+          <p:style>
+            <a:lnRef idx="1">
+              <a:schemeClr val="accent4"/>
+            </a:lnRef>
+            <a:fillRef idx="0">
+              <a:schemeClr val="accent4"/>
+            </a:fillRef>
+            <a:effectRef idx="0">
+              <a:schemeClr val="accent4"/>
+            </a:effectRef>
+            <a:fontRef idx="minor">
+              <a:schemeClr val="tx1"/>
+            </a:fontRef>
+          </p:style>
+        </p:cxnSp>
+        <p:cxnSp>
+          <p:nvCxnSpPr>
+            <p:cNvPr id="41" name="Straight Connector 40">
+              <a:extLst>
+                <a:ext uri="{FF2B5EF4-FFF2-40B4-BE49-F238E27FC236}">
+                  <a16:creationId xmlns:a16="http://schemas.microsoft.com/office/drawing/2014/main" id="{66E03CCC-9DA9-FB58-A9CB-1724FC8C1E3B}"/>
+                </a:ext>
+              </a:extLst>
+            </p:cNvPr>
+            <p:cNvCxnSpPr>
+              <a:cxnSpLocks/>
+            </p:cNvCxnSpPr>
+            <p:nvPr/>
+          </p:nvCxnSpPr>
+          <p:spPr>
+            <a:xfrm>
+              <a:off x="8605618" y="3978117"/>
+              <a:ext cx="0" cy="170021"/>
+            </a:xfrm>
+            <a:prstGeom prst="line">
+              <a:avLst/>
+            </a:prstGeom>
+            <a:ln w="28575">
+              <a:solidFill>
+                <a:srgbClr val="6C8645"/>
+              </a:solidFill>
+            </a:ln>
+          </p:spPr>
+          <p:style>
+            <a:lnRef idx="1">
+              <a:schemeClr val="accent4"/>
+            </a:lnRef>
+            <a:fillRef idx="0">
+              <a:schemeClr val="accent4"/>
+            </a:fillRef>
+            <a:effectRef idx="0">
+              <a:schemeClr val="accent4"/>
+            </a:effectRef>
+            <a:fontRef idx="minor">
+              <a:schemeClr val="tx1"/>
+            </a:fontRef>
+          </p:style>
+        </p:cxnSp>
+      </p:grpSp>
+      <p:sp>
+        <p:nvSpPr>
+          <p:cNvPr id="30" name="TextBox 29">
+            <a:extLst>
+              <a:ext uri="{FF2B5EF4-FFF2-40B4-BE49-F238E27FC236}">
+                <a16:creationId xmlns:a16="http://schemas.microsoft.com/office/drawing/2014/main" id="{D9C7E24A-698D-61D9-76A5-12DA78E8B051}"/>
+              </a:ext>
+            </a:extLst>
+          </p:cNvPr>
+          <p:cNvSpPr txBox="1"/>
+          <p:nvPr/>
+        </p:nvSpPr>
+        <p:spPr>
+          <a:xfrm>
+            <a:off x="7860825" y="4114800"/>
+            <a:ext cx="1463040" cy="548640"/>
+          </a:xfrm>
+          <a:prstGeom prst="rect">
+            <a:avLst/>
+          </a:prstGeom>
+          <a:ln w="28575">
+            <a:solidFill>
+              <a:srgbClr val="6C8645"/>
+            </a:solidFill>
+          </a:ln>
+        </p:spPr>
+        <p:style>
+          <a:lnRef idx="2">
+            <a:schemeClr val="accent3"/>
+          </a:lnRef>
+          <a:fillRef idx="1">
+            <a:schemeClr val="lt1"/>
+          </a:fillRef>
+          <a:effectRef idx="0">
+            <a:schemeClr val="accent3"/>
+          </a:effectRef>
+          <a:fontRef idx="minor">
+            <a:schemeClr val="dk1"/>
+          </a:fontRef>
+        </p:style>
+        <p:txBody>
+          <a:bodyPr wrap="square" anchor="ctr" anchorCtr="0">
+            <a:spAutoFit/>
+          </a:bodyPr>
+          <a:lstStyle/>
+          <a:p>
+            <a:r>
+              <a:rPr lang="en-US" sz="1000" b="1" i="0" u="none" strike="noStrike" dirty="0">
+                <a:solidFill>
+                  <a:srgbClr val="000000"/>
+                </a:solidFill>
+                <a:effectLst/>
+                <a:latin typeface="Arial" panose="020B0604020202020204" pitchFamily="34" charset="0"/>
+                <a:cs typeface="Arial" panose="020B0604020202020204" pitchFamily="34" charset="0"/>
+              </a:rPr>
+              <a:t>Rayfield et al. (2011</a:t>
+            </a:r>
+            <a:r>
+              <a:rPr lang="en-US" sz="1000" b="1" dirty="0">
+                <a:solidFill>
+                  <a:srgbClr val="000000"/>
+                </a:solidFill>
+                <a:latin typeface="Arial" panose="020B0604020202020204" pitchFamily="34" charset="0"/>
+                <a:cs typeface="Arial" panose="020B0604020202020204" pitchFamily="34" charset="0"/>
+              </a:rPr>
+              <a:t>) </a:t>
+            </a:r>
+            <a:r>
+              <a:rPr lang="en-US" sz="1000" dirty="0">
+                <a:latin typeface="Arial" panose="020B0604020202020204" pitchFamily="34" charset="0"/>
+                <a:cs typeface="Arial" panose="020B0604020202020204" pitchFamily="34" charset="0"/>
+              </a:rPr>
+              <a:t>landscape connectivity</a:t>
+            </a:r>
+          </a:p>
+        </p:txBody>
+      </p:sp>
+      <p:sp>
+        <p:nvSpPr>
+          <p:cNvPr id="45" name="TextBox 44">
+            <a:extLst>
+              <a:ext uri="{FF2B5EF4-FFF2-40B4-BE49-F238E27FC236}">
+                <a16:creationId xmlns:a16="http://schemas.microsoft.com/office/drawing/2014/main" id="{741334A8-0B6E-C250-1676-AF1F816589CF}"/>
+              </a:ext>
+            </a:extLst>
+          </p:cNvPr>
+          <p:cNvSpPr txBox="1"/>
+          <p:nvPr/>
+        </p:nvSpPr>
+        <p:spPr>
+          <a:xfrm>
+            <a:off x="2277805" y="1828800"/>
+            <a:ext cx="914400" cy="548640"/>
+          </a:xfrm>
+          <a:prstGeom prst="rect">
+            <a:avLst/>
+          </a:prstGeom>
+          <a:ln w="28575">
+            <a:solidFill>
+              <a:srgbClr val="E54E21"/>
+            </a:solidFill>
+          </a:ln>
+        </p:spPr>
+        <p:style>
+          <a:lnRef idx="2">
+            <a:schemeClr val="accent1"/>
+          </a:lnRef>
+          <a:fillRef idx="1">
+            <a:schemeClr val="lt1"/>
+          </a:fillRef>
+          <a:effectRef idx="0">
+            <a:schemeClr val="accent1"/>
+          </a:effectRef>
+          <a:fontRef idx="minor">
+            <a:schemeClr val="dk1"/>
+          </a:fontRef>
+        </p:style>
+        <p:txBody>
+          <a:bodyPr wrap="square" rIns="0" anchor="ctr" anchorCtr="0">
+            <a:spAutoFit/>
+          </a:bodyPr>
+          <a:lstStyle/>
+          <a:p>
+            <a:r>
+              <a:rPr lang="en-US" sz="1000" b="1" i="0" u="none" strike="noStrike" dirty="0" err="1">
+                <a:solidFill>
+                  <a:srgbClr val="000000"/>
+                </a:solidFill>
+                <a:effectLst/>
+                <a:latin typeface="Arial" panose="020B0604020202020204" pitchFamily="34" charset="0"/>
+                <a:cs typeface="Arial" panose="020B0604020202020204" pitchFamily="34" charset="0"/>
+              </a:rPr>
+              <a:t>Pielou</a:t>
+            </a:r>
+            <a:r>
+              <a:rPr lang="en-US" sz="1000" b="1" i="0" u="none" strike="noStrike" dirty="0">
+                <a:solidFill>
+                  <a:srgbClr val="000000"/>
+                </a:solidFill>
+                <a:effectLst/>
+                <a:latin typeface="Arial" panose="020B0604020202020204" pitchFamily="34" charset="0"/>
+                <a:cs typeface="Arial" panose="020B0604020202020204" pitchFamily="34" charset="0"/>
+              </a:rPr>
+              <a:t> (197</a:t>
+            </a:r>
+            <a:r>
+              <a:rPr lang="en-US" sz="1000" b="1" dirty="0">
+                <a:solidFill>
+                  <a:srgbClr val="000000"/>
+                </a:solidFill>
+                <a:latin typeface="Arial" panose="020B0604020202020204" pitchFamily="34" charset="0"/>
+                <a:cs typeface="Arial" panose="020B0604020202020204" pitchFamily="34" charset="0"/>
+              </a:rPr>
+              <a:t>2) </a:t>
+            </a:r>
+            <a:r>
+              <a:rPr lang="en-US" sz="900" dirty="0">
+                <a:solidFill>
+                  <a:srgbClr val="000000"/>
+                </a:solidFill>
+                <a:latin typeface="Arial" panose="020B0604020202020204" pitchFamily="34" charset="0"/>
+                <a:cs typeface="Arial" panose="020B0604020202020204" pitchFamily="34" charset="0"/>
+              </a:rPr>
+              <a:t>niche overlap</a:t>
+            </a:r>
+            <a:endParaRPr lang="en-US" sz="1000" dirty="0">
+              <a:latin typeface="Arial" panose="020B0604020202020204" pitchFamily="34" charset="0"/>
+              <a:cs typeface="Arial" panose="020B0604020202020204" pitchFamily="34" charset="0"/>
+            </a:endParaRPr>
+          </a:p>
+        </p:txBody>
+      </p:sp>
+      <p:sp>
+        <p:nvSpPr>
+          <p:cNvPr id="49" name="TextBox 48">
+            <a:extLst>
+              <a:ext uri="{FF2B5EF4-FFF2-40B4-BE49-F238E27FC236}">
+                <a16:creationId xmlns:a16="http://schemas.microsoft.com/office/drawing/2014/main" id="{42B277CD-788B-4ED9-91E7-B092A8BBAA13}"/>
+              </a:ext>
+            </a:extLst>
+          </p:cNvPr>
+          <p:cNvSpPr txBox="1"/>
+          <p:nvPr/>
+        </p:nvSpPr>
+        <p:spPr>
+          <a:xfrm>
+            <a:off x="6128787" y="1825821"/>
+            <a:ext cx="1511198" cy="548640"/>
+          </a:xfrm>
+          <a:prstGeom prst="rect">
+            <a:avLst/>
+          </a:prstGeom>
+          <a:ln w="28575">
+            <a:solidFill>
+              <a:srgbClr val="E54E21"/>
+            </a:solidFill>
+          </a:ln>
+        </p:spPr>
+        <p:style>
+          <a:lnRef idx="2">
+            <a:schemeClr val="accent1"/>
+          </a:lnRef>
+          <a:fillRef idx="1">
+            <a:schemeClr val="lt1"/>
+          </a:fillRef>
+          <a:effectRef idx="0">
+            <a:schemeClr val="accent1"/>
+          </a:effectRef>
+          <a:fontRef idx="minor">
+            <a:schemeClr val="dk1"/>
+          </a:fontRef>
+        </p:style>
+        <p:txBody>
+          <a:bodyPr wrap="square" anchor="ctr" anchorCtr="0">
+            <a:spAutoFit/>
+          </a:bodyPr>
+          <a:lstStyle/>
+          <a:p>
+            <a:r>
+              <a:rPr lang="en-US" sz="1000" b="1" i="0" u="none" strike="noStrike" dirty="0">
+                <a:solidFill>
+                  <a:srgbClr val="000000"/>
+                </a:solidFill>
+                <a:effectLst/>
+                <a:latin typeface="Arial" panose="020B0604020202020204" pitchFamily="34" charset="0"/>
+                <a:cs typeface="Arial" panose="020B0604020202020204" pitchFamily="34" charset="0"/>
+              </a:rPr>
+              <a:t>Anderson &amp; Willis (2003)</a:t>
+            </a:r>
+            <a:r>
+              <a:rPr lang="en-US" sz="1000" i="0" u="none" strike="noStrike" dirty="0">
+                <a:solidFill>
+                  <a:srgbClr val="000000"/>
+                </a:solidFill>
+                <a:effectLst/>
+                <a:latin typeface="Arial" panose="020B0604020202020204" pitchFamily="34" charset="0"/>
+                <a:cs typeface="Arial" panose="020B0604020202020204" pitchFamily="34" charset="0"/>
+              </a:rPr>
+              <a:t> </a:t>
+            </a:r>
+            <a:r>
+              <a:rPr lang="en-US" sz="900" i="0" u="none" strike="noStrike" dirty="0">
+                <a:solidFill>
+                  <a:srgbClr val="000000"/>
+                </a:solidFill>
+                <a:effectLst/>
+                <a:latin typeface="Arial" panose="020B0604020202020204" pitchFamily="34" charset="0"/>
+                <a:cs typeface="Arial" panose="020B0604020202020204" pitchFamily="34" charset="0"/>
+              </a:rPr>
+              <a:t>canonical analysis of principal components</a:t>
+            </a:r>
+            <a:endParaRPr lang="en-US" sz="1000" dirty="0">
+              <a:latin typeface="Arial" panose="020B0604020202020204" pitchFamily="34" charset="0"/>
+              <a:cs typeface="Arial" panose="020B0604020202020204" pitchFamily="34" charset="0"/>
+            </a:endParaRPr>
+          </a:p>
+        </p:txBody>
+      </p:sp>
     </p:spTree>
     <p:extLst>
       <p:ext uri="{BB962C8B-B14F-4D97-AF65-F5344CB8AC3E}">
         <p14:creationId xmlns:p14="http://schemas.microsoft.com/office/powerpoint/2010/main" val="2429604644"/>
+      </p:ext>
+    </p:extLst>
+  </p:cSld>
+  <p:clrMapOvr>
+    <a:masterClrMapping/>
+  </p:clrMapOvr>
+</p:sld>
+</file>
+
+<file path=ppt/slides/slide2.xml><?xml version="1.0" encoding="utf-8"?>
+<p:sld xmlns:a="http://schemas.openxmlformats.org/drawingml/2006/main" xmlns:r="http://schemas.openxmlformats.org/officeDocument/2006/relationships" xmlns:p="http://schemas.openxmlformats.org/presentationml/2006/main">
+  <p:cSld>
+    <p:spTree>
+      <p:nvGrpSpPr>
+        <p:cNvPr id="1" name=""/>
+        <p:cNvGrpSpPr/>
+        <p:nvPr/>
+      </p:nvGrpSpPr>
+      <p:grpSpPr>
+        <a:xfrm>
+          <a:off x="0" y="0"/>
+          <a:ext cx="0" cy="0"/>
+          <a:chOff x="0" y="0"/>
+          <a:chExt cx="0" cy="0"/>
+        </a:xfrm>
+      </p:grpSpPr>
+      <p:sp>
+        <p:nvSpPr>
+          <p:cNvPr id="2" name="Title 1">
+            <a:extLst>
+              <a:ext uri="{FF2B5EF4-FFF2-40B4-BE49-F238E27FC236}">
+                <a16:creationId xmlns:a16="http://schemas.microsoft.com/office/drawing/2014/main" id="{A991A50E-8368-F55B-C266-14148A00A31C}"/>
+              </a:ext>
+            </a:extLst>
+          </p:cNvPr>
+          <p:cNvSpPr>
+            <a:spLocks noGrp="1"/>
+          </p:cNvSpPr>
+          <p:nvPr>
+            <p:ph type="title"/>
+          </p:nvPr>
+        </p:nvSpPr>
+        <p:spPr/>
+        <p:txBody>
+          <a:bodyPr/>
+          <a:lstStyle/>
+          <a:p>
+            <a:r>
+              <a:rPr lang="en-US" dirty="0"/>
+              <a:t>Potential color palette (7 colors)</a:t>
+            </a:r>
+          </a:p>
+        </p:txBody>
+      </p:sp>
+      <p:pic>
+        <p:nvPicPr>
+          <p:cNvPr id="4" name="Picture 3" descr="A logo with black text&#10;&#10;Description automatically generated with medium confidence">
+            <a:extLst>
+              <a:ext uri="{FF2B5EF4-FFF2-40B4-BE49-F238E27FC236}">
+                <a16:creationId xmlns:a16="http://schemas.microsoft.com/office/drawing/2014/main" id="{D8490FB2-7475-799C-F497-63DBC6ED94E4}"/>
+              </a:ext>
+            </a:extLst>
+          </p:cNvPr>
+          <p:cNvPicPr>
+            <a:picLocks noChangeAspect="1"/>
+          </p:cNvPicPr>
+          <p:nvPr/>
+        </p:nvPicPr>
+        <p:blipFill>
+          <a:blip r:embed="rId2">
+            <a:extLst>
+              <a:ext uri="{28A0092B-C50C-407E-A947-70E740481C1C}">
+                <a14:useLocalDpi xmlns:a14="http://schemas.microsoft.com/office/drawing/2010/main" val="0"/>
+              </a:ext>
+            </a:extLst>
+          </a:blip>
+          <a:stretch>
+            <a:fillRect/>
+          </a:stretch>
+        </p:blipFill>
+        <p:spPr>
+          <a:xfrm>
+            <a:off x="2895154" y="5491754"/>
+            <a:ext cx="6401693" cy="914528"/>
+          </a:xfrm>
+          <a:prstGeom prst="rect">
+            <a:avLst/>
+          </a:prstGeom>
+        </p:spPr>
+      </p:pic>
+      <p:pic>
+        <p:nvPicPr>
+          <p:cNvPr id="5" name="Picture 4" descr="A close-up of a logo&#10;&#10;Description automatically generated">
+            <a:extLst>
+              <a:ext uri="{FF2B5EF4-FFF2-40B4-BE49-F238E27FC236}">
+                <a16:creationId xmlns:a16="http://schemas.microsoft.com/office/drawing/2014/main" id="{F683124A-41F4-160C-5C56-7EC83FE042C3}"/>
+              </a:ext>
+            </a:extLst>
+          </p:cNvPr>
+          <p:cNvPicPr>
+            <a:picLocks noChangeAspect="1"/>
+          </p:cNvPicPr>
+          <p:nvPr/>
+        </p:nvPicPr>
+        <p:blipFill>
+          <a:blip r:embed="rId3">
+            <a:extLst>
+              <a:ext uri="{28A0092B-C50C-407E-A947-70E740481C1C}">
+                <a14:useLocalDpi xmlns:a14="http://schemas.microsoft.com/office/drawing/2010/main" val="0"/>
+              </a:ext>
+            </a:extLst>
+          </a:blip>
+          <a:stretch>
+            <a:fillRect/>
+          </a:stretch>
+        </p:blipFill>
+        <p:spPr>
+          <a:xfrm>
+            <a:off x="2895154" y="4577226"/>
+            <a:ext cx="6401693" cy="914528"/>
+          </a:xfrm>
+          <a:prstGeom prst="rect">
+            <a:avLst/>
+          </a:prstGeom>
+        </p:spPr>
+      </p:pic>
+      <p:grpSp>
+        <p:nvGrpSpPr>
+          <p:cNvPr id="14" name="Group 13">
+            <a:extLst>
+              <a:ext uri="{FF2B5EF4-FFF2-40B4-BE49-F238E27FC236}">
+                <a16:creationId xmlns:a16="http://schemas.microsoft.com/office/drawing/2014/main" id="{1D19E15F-E3EE-1B79-DF82-C59EA5A320C3}"/>
+              </a:ext>
+            </a:extLst>
+          </p:cNvPr>
+          <p:cNvGrpSpPr/>
+          <p:nvPr/>
+        </p:nvGrpSpPr>
+        <p:grpSpPr>
+          <a:xfrm>
+            <a:off x="335280" y="1554480"/>
+            <a:ext cx="11521440" cy="2743200"/>
+            <a:chOff x="0" y="1554480"/>
+            <a:chExt cx="11521440" cy="2743200"/>
+          </a:xfrm>
+        </p:grpSpPr>
+        <p:sp>
+          <p:nvSpPr>
+            <p:cNvPr id="6" name="Rectangle 5">
+              <a:extLst>
+                <a:ext uri="{FF2B5EF4-FFF2-40B4-BE49-F238E27FC236}">
+                  <a16:creationId xmlns:a16="http://schemas.microsoft.com/office/drawing/2014/main" id="{DFC351DF-DB1D-58E8-ECD0-AF484FD3005F}"/>
+                </a:ext>
+              </a:extLst>
+            </p:cNvPr>
+            <p:cNvSpPr/>
+            <p:nvPr/>
+          </p:nvSpPr>
+          <p:spPr>
+            <a:xfrm>
+              <a:off x="3291840" y="1554480"/>
+              <a:ext cx="1645920" cy="2743200"/>
+            </a:xfrm>
+            <a:prstGeom prst="rect">
+              <a:avLst/>
+            </a:prstGeom>
+            <a:solidFill>
+              <a:srgbClr val="E54E21"/>
+            </a:solidFill>
+            <a:ln>
+              <a:noFill/>
+            </a:ln>
+          </p:spPr>
+          <p:style>
+            <a:lnRef idx="2">
+              <a:schemeClr val="accent1">
+                <a:shade val="15000"/>
+              </a:schemeClr>
+            </a:lnRef>
+            <a:fillRef idx="1">
+              <a:schemeClr val="accent1"/>
+            </a:fillRef>
+            <a:effectRef idx="0">
+              <a:schemeClr val="accent1"/>
+            </a:effectRef>
+            <a:fontRef idx="minor">
+              <a:schemeClr val="lt1"/>
+            </a:fontRef>
+          </p:style>
+          <p:txBody>
+            <a:bodyPr rtlCol="0" anchor="ctr"/>
+            <a:lstStyle/>
+            <a:p>
+              <a:pPr algn="ctr"/>
+              <a:endParaRPr lang="en-US"/>
+            </a:p>
+          </p:txBody>
+        </p:sp>
+        <p:sp>
+          <p:nvSpPr>
+            <p:cNvPr id="7" name="Rectangle 6">
+              <a:extLst>
+                <a:ext uri="{FF2B5EF4-FFF2-40B4-BE49-F238E27FC236}">
+                  <a16:creationId xmlns:a16="http://schemas.microsoft.com/office/drawing/2014/main" id="{69D90050-EDBA-D20E-8FCD-D8ADA4D3842F}"/>
+                </a:ext>
+              </a:extLst>
+            </p:cNvPr>
+            <p:cNvSpPr/>
+            <p:nvPr/>
+          </p:nvSpPr>
+          <p:spPr>
+            <a:xfrm>
+              <a:off x="6583680" y="1554480"/>
+              <a:ext cx="1645920" cy="2743200"/>
+            </a:xfrm>
+            <a:prstGeom prst="rect">
+              <a:avLst/>
+            </a:prstGeom>
+            <a:solidFill>
+              <a:srgbClr val="6C8645"/>
+            </a:solidFill>
+            <a:ln>
+              <a:noFill/>
+            </a:ln>
+          </p:spPr>
+          <p:style>
+            <a:lnRef idx="2">
+              <a:schemeClr val="accent1">
+                <a:shade val="15000"/>
+              </a:schemeClr>
+            </a:lnRef>
+            <a:fillRef idx="1">
+              <a:schemeClr val="accent1"/>
+            </a:fillRef>
+            <a:effectRef idx="0">
+              <a:schemeClr val="accent1"/>
+            </a:effectRef>
+            <a:fontRef idx="minor">
+              <a:schemeClr val="lt1"/>
+            </a:fontRef>
+          </p:style>
+          <p:txBody>
+            <a:bodyPr rtlCol="0" anchor="ctr"/>
+            <a:lstStyle/>
+            <a:p>
+              <a:pPr algn="ctr"/>
+              <a:endParaRPr lang="en-US"/>
+            </a:p>
+          </p:txBody>
+        </p:sp>
+        <p:sp>
+          <p:nvSpPr>
+            <p:cNvPr id="8" name="Rectangle 7">
+              <a:extLst>
+                <a:ext uri="{FF2B5EF4-FFF2-40B4-BE49-F238E27FC236}">
+                  <a16:creationId xmlns:a16="http://schemas.microsoft.com/office/drawing/2014/main" id="{7648D73D-D1F1-3EDB-573C-25940736F73F}"/>
+                </a:ext>
+              </a:extLst>
+            </p:cNvPr>
+            <p:cNvSpPr/>
+            <p:nvPr/>
+          </p:nvSpPr>
+          <p:spPr>
+            <a:xfrm>
+              <a:off x="4937760" y="1554480"/>
+              <a:ext cx="1645920" cy="2743200"/>
+            </a:xfrm>
+            <a:prstGeom prst="rect">
+              <a:avLst/>
+            </a:prstGeom>
+            <a:solidFill>
+              <a:srgbClr val="FBA72A"/>
+            </a:solidFill>
+            <a:ln>
+              <a:noFill/>
+            </a:ln>
+          </p:spPr>
+          <p:style>
+            <a:lnRef idx="2">
+              <a:schemeClr val="accent1">
+                <a:shade val="15000"/>
+              </a:schemeClr>
+            </a:lnRef>
+            <a:fillRef idx="1">
+              <a:schemeClr val="accent1"/>
+            </a:fillRef>
+            <a:effectRef idx="0">
+              <a:schemeClr val="accent1"/>
+            </a:effectRef>
+            <a:fontRef idx="minor">
+              <a:schemeClr val="lt1"/>
+            </a:fontRef>
+          </p:style>
+          <p:txBody>
+            <a:bodyPr rtlCol="0" anchor="ctr"/>
+            <a:lstStyle/>
+            <a:p>
+              <a:pPr algn="ctr"/>
+              <a:endParaRPr lang="en-US"/>
+            </a:p>
+          </p:txBody>
+        </p:sp>
+        <p:sp>
+          <p:nvSpPr>
+            <p:cNvPr id="9" name="Rectangle 8">
+              <a:extLst>
+                <a:ext uri="{FF2B5EF4-FFF2-40B4-BE49-F238E27FC236}">
+                  <a16:creationId xmlns:a16="http://schemas.microsoft.com/office/drawing/2014/main" id="{E7601E37-2353-3E20-735E-30EC5BCDB872}"/>
+                </a:ext>
+              </a:extLst>
+            </p:cNvPr>
+            <p:cNvSpPr/>
+            <p:nvPr/>
+          </p:nvSpPr>
+          <p:spPr>
+            <a:xfrm>
+              <a:off x="9875520" y="1554480"/>
+              <a:ext cx="1645920" cy="2743200"/>
+            </a:xfrm>
+            <a:prstGeom prst="rect">
+              <a:avLst/>
+            </a:prstGeom>
+            <a:solidFill>
+              <a:srgbClr val="5785C1"/>
+            </a:solidFill>
+            <a:ln>
+              <a:noFill/>
+            </a:ln>
+          </p:spPr>
+          <p:style>
+            <a:lnRef idx="2">
+              <a:schemeClr val="accent1">
+                <a:shade val="15000"/>
+              </a:schemeClr>
+            </a:lnRef>
+            <a:fillRef idx="1">
+              <a:schemeClr val="accent1"/>
+            </a:fillRef>
+            <a:effectRef idx="0">
+              <a:schemeClr val="accent1"/>
+            </a:effectRef>
+            <a:fontRef idx="minor">
+              <a:schemeClr val="lt1"/>
+            </a:fontRef>
+          </p:style>
+          <p:txBody>
+            <a:bodyPr rtlCol="0" anchor="ctr"/>
+            <a:lstStyle/>
+            <a:p>
+              <a:pPr algn="ctr"/>
+              <a:endParaRPr lang="en-US"/>
+            </a:p>
+          </p:txBody>
+        </p:sp>
+        <p:sp>
+          <p:nvSpPr>
+            <p:cNvPr id="10" name="Rectangle 9">
+              <a:extLst>
+                <a:ext uri="{FF2B5EF4-FFF2-40B4-BE49-F238E27FC236}">
+                  <a16:creationId xmlns:a16="http://schemas.microsoft.com/office/drawing/2014/main" id="{8BAF8FED-2112-FB35-F14D-309FE8657595}"/>
+                </a:ext>
+              </a:extLst>
+            </p:cNvPr>
+            <p:cNvSpPr/>
+            <p:nvPr/>
+          </p:nvSpPr>
+          <p:spPr>
+            <a:xfrm>
+              <a:off x="8229600" y="1554480"/>
+              <a:ext cx="1645920" cy="2743200"/>
+            </a:xfrm>
+            <a:prstGeom prst="rect">
+              <a:avLst/>
+            </a:prstGeom>
+            <a:solidFill>
+              <a:srgbClr val="D3D4D8"/>
+            </a:solidFill>
+            <a:ln>
+              <a:noFill/>
+            </a:ln>
+          </p:spPr>
+          <p:style>
+            <a:lnRef idx="2">
+              <a:schemeClr val="accent1">
+                <a:shade val="15000"/>
+              </a:schemeClr>
+            </a:lnRef>
+            <a:fillRef idx="1">
+              <a:schemeClr val="accent1"/>
+            </a:fillRef>
+            <a:effectRef idx="0">
+              <a:schemeClr val="accent1"/>
+            </a:effectRef>
+            <a:fontRef idx="minor">
+              <a:schemeClr val="lt1"/>
+            </a:fontRef>
+          </p:style>
+          <p:txBody>
+            <a:bodyPr rtlCol="0" anchor="ctr"/>
+            <a:lstStyle/>
+            <a:p>
+              <a:pPr algn="ctr"/>
+              <a:endParaRPr lang="en-US"/>
+            </a:p>
+          </p:txBody>
+        </p:sp>
+        <p:sp>
+          <p:nvSpPr>
+            <p:cNvPr id="11" name="Rectangle 10">
+              <a:extLst>
+                <a:ext uri="{FF2B5EF4-FFF2-40B4-BE49-F238E27FC236}">
+                  <a16:creationId xmlns:a16="http://schemas.microsoft.com/office/drawing/2014/main" id="{A96BD1B7-CA39-D786-A7AC-4F1FA23F1362}"/>
+                </a:ext>
+              </a:extLst>
+            </p:cNvPr>
+            <p:cNvSpPr/>
+            <p:nvPr/>
+          </p:nvSpPr>
+          <p:spPr>
+            <a:xfrm>
+              <a:off x="0" y="1554480"/>
+              <a:ext cx="1645920" cy="2743200"/>
+            </a:xfrm>
+            <a:prstGeom prst="rect">
+              <a:avLst/>
+            </a:prstGeom>
+            <a:solidFill>
+              <a:srgbClr val="0A9F9D"/>
+            </a:solidFill>
+            <a:ln>
+              <a:noFill/>
+            </a:ln>
+          </p:spPr>
+          <p:style>
+            <a:lnRef idx="2">
+              <a:schemeClr val="accent1">
+                <a:shade val="15000"/>
+              </a:schemeClr>
+            </a:lnRef>
+            <a:fillRef idx="1">
+              <a:schemeClr val="accent1"/>
+            </a:fillRef>
+            <a:effectRef idx="0">
+              <a:schemeClr val="accent1"/>
+            </a:effectRef>
+            <a:fontRef idx="minor">
+              <a:schemeClr val="lt1"/>
+            </a:fontRef>
+          </p:style>
+          <p:txBody>
+            <a:bodyPr rtlCol="0" anchor="ctr"/>
+            <a:lstStyle/>
+            <a:p>
+              <a:pPr algn="ctr"/>
+              <a:endParaRPr lang="en-US" dirty="0"/>
+            </a:p>
+          </p:txBody>
+        </p:sp>
+        <p:sp>
+          <p:nvSpPr>
+            <p:cNvPr id="12" name="Rectangle 11">
+              <a:extLst>
+                <a:ext uri="{FF2B5EF4-FFF2-40B4-BE49-F238E27FC236}">
+                  <a16:creationId xmlns:a16="http://schemas.microsoft.com/office/drawing/2014/main" id="{FF8EAFA1-8B66-6342-BD95-36DE254B0135}"/>
+                </a:ext>
+              </a:extLst>
+            </p:cNvPr>
+            <p:cNvSpPr/>
+            <p:nvPr/>
+          </p:nvSpPr>
+          <p:spPr>
+            <a:xfrm>
+              <a:off x="1645920" y="1554480"/>
+              <a:ext cx="1645920" cy="2743200"/>
+            </a:xfrm>
+            <a:prstGeom prst="rect">
+              <a:avLst/>
+            </a:prstGeom>
+            <a:solidFill>
+              <a:srgbClr val="CEB175"/>
+            </a:solidFill>
+            <a:ln>
+              <a:noFill/>
+            </a:ln>
+          </p:spPr>
+          <p:style>
+            <a:lnRef idx="2">
+              <a:schemeClr val="accent1">
+                <a:shade val="15000"/>
+              </a:schemeClr>
+            </a:lnRef>
+            <a:fillRef idx="1">
+              <a:schemeClr val="accent1"/>
+            </a:fillRef>
+            <a:effectRef idx="0">
+              <a:schemeClr val="accent1"/>
+            </a:effectRef>
+            <a:fontRef idx="minor">
+              <a:schemeClr val="lt1"/>
+            </a:fontRef>
+          </p:style>
+          <p:txBody>
+            <a:bodyPr rtlCol="0" anchor="ctr"/>
+            <a:lstStyle/>
+            <a:p>
+              <a:pPr algn="ctr"/>
+              <a:endParaRPr lang="en-US"/>
+            </a:p>
+          </p:txBody>
+        </p:sp>
+        <p:sp>
+          <p:nvSpPr>
+            <p:cNvPr id="13" name="Rectangle 12">
+              <a:extLst>
+                <a:ext uri="{FF2B5EF4-FFF2-40B4-BE49-F238E27FC236}">
+                  <a16:creationId xmlns:a16="http://schemas.microsoft.com/office/drawing/2014/main" id="{67E8B8D9-9584-B3FD-7EED-93852CD4D580}"/>
+                </a:ext>
+              </a:extLst>
+            </p:cNvPr>
+            <p:cNvSpPr/>
+            <p:nvPr/>
+          </p:nvSpPr>
+          <p:spPr>
+            <a:xfrm>
+              <a:off x="0" y="2926080"/>
+              <a:ext cx="11521440" cy="1371600"/>
+            </a:xfrm>
+            <a:prstGeom prst="rect">
+              <a:avLst/>
+            </a:prstGeom>
+            <a:solidFill>
+              <a:srgbClr val="FFFFFF">
+                <a:alpha val="80000"/>
+              </a:srgbClr>
+            </a:solidFill>
+            <a:ln>
+              <a:noFill/>
+            </a:ln>
+          </p:spPr>
+          <p:style>
+            <a:lnRef idx="2">
+              <a:schemeClr val="accent1">
+                <a:shade val="15000"/>
+              </a:schemeClr>
+            </a:lnRef>
+            <a:fillRef idx="1">
+              <a:schemeClr val="accent1"/>
+            </a:fillRef>
+            <a:effectRef idx="0">
+              <a:schemeClr val="accent1"/>
+            </a:effectRef>
+            <a:fontRef idx="minor">
+              <a:schemeClr val="lt1"/>
+            </a:fontRef>
+          </p:style>
+          <p:txBody>
+            <a:bodyPr rtlCol="0" anchor="ctr"/>
+            <a:lstStyle/>
+            <a:p>
+              <a:pPr algn="ctr"/>
+              <a:endParaRPr lang="en-US"/>
+            </a:p>
+          </p:txBody>
+        </p:sp>
+      </p:grpSp>
+    </p:spTree>
+    <p:extLst>
+      <p:ext uri="{BB962C8B-B14F-4D97-AF65-F5344CB8AC3E}">
+        <p14:creationId xmlns:p14="http://schemas.microsoft.com/office/powerpoint/2010/main" val="2168338871"/>
       </p:ext>
     </p:extLst>
   </p:cSld>
